--- a/CFT4CUnitSrc/src/report/ACIIDS2016_Presentation.pptx
+++ b/CFT4CUnitSrc/src/report/ACIIDS2016_Presentation.pptx
@@ -5,38 +5,12 @@
     <p:sldMasterId id="2147483648" r:id="rId1"/>
   </p:sldMasterIdLst>
   <p:handoutMasterIdLst>
-    <p:handoutMasterId r:id="rId31"/>
+    <p:handoutMasterId r:id="rId5"/>
   </p:handoutMasterIdLst>
   <p:sldIdLst>
     <p:sldId id="256" r:id="rId2"/>
     <p:sldId id="257" r:id="rId3"/>
-    <p:sldId id="263" r:id="rId4"/>
-    <p:sldId id="264" r:id="rId5"/>
-    <p:sldId id="265" r:id="rId6"/>
-    <p:sldId id="258" r:id="rId7"/>
-    <p:sldId id="266" r:id="rId8"/>
-    <p:sldId id="267" r:id="rId9"/>
-    <p:sldId id="268" r:id="rId10"/>
-    <p:sldId id="261" r:id="rId11"/>
-    <p:sldId id="269" r:id="rId12"/>
-    <p:sldId id="270" r:id="rId13"/>
-    <p:sldId id="260" r:id="rId14"/>
-    <p:sldId id="271" r:id="rId15"/>
-    <p:sldId id="272" r:id="rId16"/>
-    <p:sldId id="273" r:id="rId17"/>
-    <p:sldId id="274" r:id="rId18"/>
-    <p:sldId id="276" r:id="rId19"/>
-    <p:sldId id="277" r:id="rId20"/>
-    <p:sldId id="278" r:id="rId21"/>
-    <p:sldId id="259" r:id="rId22"/>
-    <p:sldId id="279" r:id="rId23"/>
-    <p:sldId id="280" r:id="rId24"/>
-    <p:sldId id="281" r:id="rId25"/>
-    <p:sldId id="282" r:id="rId26"/>
-    <p:sldId id="262" r:id="rId27"/>
-    <p:sldId id="283" r:id="rId28"/>
-    <p:sldId id="284" r:id="rId29"/>
-    <p:sldId id="285" r:id="rId30"/>
+    <p:sldId id="264" r:id="rId4"/>
   </p:sldIdLst>
   <p:sldSz cx="9144000" cy="6858000" type="screen4x3"/>
   <p:notesSz cx="6797675" cy="9926638"/>
@@ -221,7 +195,7 @@
             <a:fld id="{5F13D7CC-1040-492F-8106-51A9FB2C754C}" type="datetimeFigureOut">
               <a:rPr lang="en-US" smtClean="0"/>
               <a:pPr/>
-              <a:t>3/5/2017</a:t>
+              <a:t>3/21/2017</a:t>
             </a:fld>
             <a:endParaRPr lang="en-US"/>
           </a:p>
@@ -297,7 +271,7 @@
     </p:spTree>
     <p:extLst>
       <p:ext uri="{BB962C8B-B14F-4D97-AF65-F5344CB8AC3E}">
-        <p14:creationId xmlns="" xmlns:p14="http://schemas.microsoft.com/office/powerpoint/2010/main" val="3656892265"/>
+        <p14:creationId xmlns:p14="http://schemas.microsoft.com/office/powerpoint/2010/main" val="3656892265"/>
       </p:ext>
     </p:extLst>
   </p:cSld>
@@ -487,7 +461,7 @@
             <a:fld id="{2A145FE2-AB7C-46BC-8F86-612F87CDD637}" type="datetimeFigureOut">
               <a:rPr lang="en-US" smtClean="0"/>
               <a:pPr/>
-              <a:t>3/5/2017</a:t>
+              <a:t>3/21/2017</a:t>
             </a:fld>
             <a:endParaRPr lang="en-US"/>
           </a:p>
@@ -539,7 +513,7 @@
     </p:spTree>
     <p:extLst>
       <p:ext uri="{BB962C8B-B14F-4D97-AF65-F5344CB8AC3E}">
-        <p14:creationId xmlns="" xmlns:p14="http://schemas.microsoft.com/office/powerpoint/2010/main" val="1811901625"/>
+        <p14:creationId xmlns:p14="http://schemas.microsoft.com/office/powerpoint/2010/main" val="1811901625"/>
       </p:ext>
     </p:extLst>
   </p:cSld>
@@ -659,7 +633,7 @@
             <a:fld id="{2A145FE2-AB7C-46BC-8F86-612F87CDD637}" type="datetimeFigureOut">
               <a:rPr lang="en-US" smtClean="0"/>
               <a:pPr/>
-              <a:t>3/5/2017</a:t>
+              <a:t>3/21/2017</a:t>
             </a:fld>
             <a:endParaRPr lang="en-US"/>
           </a:p>
@@ -711,7 +685,7 @@
     </p:spTree>
     <p:extLst>
       <p:ext uri="{BB962C8B-B14F-4D97-AF65-F5344CB8AC3E}">
-        <p14:creationId xmlns="" xmlns:p14="http://schemas.microsoft.com/office/powerpoint/2010/main" val="791576242"/>
+        <p14:creationId xmlns:p14="http://schemas.microsoft.com/office/powerpoint/2010/main" val="791576242"/>
       </p:ext>
     </p:extLst>
   </p:cSld>
@@ -841,7 +815,7 @@
             <a:fld id="{2A145FE2-AB7C-46BC-8F86-612F87CDD637}" type="datetimeFigureOut">
               <a:rPr lang="en-US" smtClean="0"/>
               <a:pPr/>
-              <a:t>3/5/2017</a:t>
+              <a:t>3/21/2017</a:t>
             </a:fld>
             <a:endParaRPr lang="en-US"/>
           </a:p>
@@ -893,7 +867,7 @@
     </p:spTree>
     <p:extLst>
       <p:ext uri="{BB962C8B-B14F-4D97-AF65-F5344CB8AC3E}">
-        <p14:creationId xmlns="" xmlns:p14="http://schemas.microsoft.com/office/powerpoint/2010/main" val="2934662006"/>
+        <p14:creationId xmlns:p14="http://schemas.microsoft.com/office/powerpoint/2010/main" val="2934662006"/>
       </p:ext>
     </p:extLst>
   </p:cSld>
@@ -1013,7 +987,7 @@
             <a:fld id="{2A145FE2-AB7C-46BC-8F86-612F87CDD637}" type="datetimeFigureOut">
               <a:rPr lang="en-US" smtClean="0"/>
               <a:pPr/>
-              <a:t>3/5/2017</a:t>
+              <a:t>3/21/2017</a:t>
             </a:fld>
             <a:endParaRPr lang="en-US"/>
           </a:p>
@@ -1065,7 +1039,7 @@
     </p:spTree>
     <p:extLst>
       <p:ext uri="{BB962C8B-B14F-4D97-AF65-F5344CB8AC3E}">
-        <p14:creationId xmlns="" xmlns:p14="http://schemas.microsoft.com/office/powerpoint/2010/main" val="855239803"/>
+        <p14:creationId xmlns:p14="http://schemas.microsoft.com/office/powerpoint/2010/main" val="855239803"/>
       </p:ext>
     </p:extLst>
   </p:cSld>
@@ -1261,7 +1235,7 @@
             <a:fld id="{2A145FE2-AB7C-46BC-8F86-612F87CDD637}" type="datetimeFigureOut">
               <a:rPr lang="en-US" smtClean="0"/>
               <a:pPr/>
-              <a:t>3/5/2017</a:t>
+              <a:t>3/21/2017</a:t>
             </a:fld>
             <a:endParaRPr lang="en-US"/>
           </a:p>
@@ -1313,7 +1287,7 @@
     </p:spTree>
     <p:extLst>
       <p:ext uri="{BB962C8B-B14F-4D97-AF65-F5344CB8AC3E}">
-        <p14:creationId xmlns="" xmlns:p14="http://schemas.microsoft.com/office/powerpoint/2010/main" val="635452818"/>
+        <p14:creationId xmlns:p14="http://schemas.microsoft.com/office/powerpoint/2010/main" val="635452818"/>
       </p:ext>
     </p:extLst>
   </p:cSld>
@@ -1551,7 +1525,7 @@
             <a:fld id="{2A145FE2-AB7C-46BC-8F86-612F87CDD637}" type="datetimeFigureOut">
               <a:rPr lang="en-US" smtClean="0"/>
               <a:pPr/>
-              <a:t>3/5/2017</a:t>
+              <a:t>3/21/2017</a:t>
             </a:fld>
             <a:endParaRPr lang="en-US"/>
           </a:p>
@@ -1603,7 +1577,7 @@
     </p:spTree>
     <p:extLst>
       <p:ext uri="{BB962C8B-B14F-4D97-AF65-F5344CB8AC3E}">
-        <p14:creationId xmlns="" xmlns:p14="http://schemas.microsoft.com/office/powerpoint/2010/main" val="3716967958"/>
+        <p14:creationId xmlns:p14="http://schemas.microsoft.com/office/powerpoint/2010/main" val="3716967958"/>
       </p:ext>
     </p:extLst>
   </p:cSld>
@@ -1975,7 +1949,7 @@
             <a:fld id="{2A145FE2-AB7C-46BC-8F86-612F87CDD637}" type="datetimeFigureOut">
               <a:rPr lang="en-US" smtClean="0"/>
               <a:pPr/>
-              <a:t>3/5/2017</a:t>
+              <a:t>3/21/2017</a:t>
             </a:fld>
             <a:endParaRPr lang="en-US"/>
           </a:p>
@@ -2027,7 +2001,7 @@
     </p:spTree>
     <p:extLst>
       <p:ext uri="{BB962C8B-B14F-4D97-AF65-F5344CB8AC3E}">
-        <p14:creationId xmlns="" xmlns:p14="http://schemas.microsoft.com/office/powerpoint/2010/main" val="3991833718"/>
+        <p14:creationId xmlns:p14="http://schemas.microsoft.com/office/powerpoint/2010/main" val="3991833718"/>
       </p:ext>
     </p:extLst>
   </p:cSld>
@@ -2095,7 +2069,7 @@
             <a:fld id="{2A145FE2-AB7C-46BC-8F86-612F87CDD637}" type="datetimeFigureOut">
               <a:rPr lang="en-US" smtClean="0"/>
               <a:pPr/>
-              <a:t>3/5/2017</a:t>
+              <a:t>3/21/2017</a:t>
             </a:fld>
             <a:endParaRPr lang="en-US"/>
           </a:p>
@@ -2147,7 +2121,7 @@
     </p:spTree>
     <p:extLst>
       <p:ext uri="{BB962C8B-B14F-4D97-AF65-F5344CB8AC3E}">
-        <p14:creationId xmlns="" xmlns:p14="http://schemas.microsoft.com/office/powerpoint/2010/main" val="1837035765"/>
+        <p14:creationId xmlns:p14="http://schemas.microsoft.com/office/powerpoint/2010/main" val="1837035765"/>
       </p:ext>
     </p:extLst>
   </p:cSld>
@@ -2192,7 +2166,7 @@
             <a:fld id="{2A145FE2-AB7C-46BC-8F86-612F87CDD637}" type="datetimeFigureOut">
               <a:rPr lang="en-US" smtClean="0"/>
               <a:pPr/>
-              <a:t>3/5/2017</a:t>
+              <a:t>3/21/2017</a:t>
             </a:fld>
             <a:endParaRPr lang="en-US"/>
           </a:p>
@@ -2244,7 +2218,7 @@
     </p:spTree>
     <p:extLst>
       <p:ext uri="{BB962C8B-B14F-4D97-AF65-F5344CB8AC3E}">
-        <p14:creationId xmlns="" xmlns:p14="http://schemas.microsoft.com/office/powerpoint/2010/main" val="3419707464"/>
+        <p14:creationId xmlns:p14="http://schemas.microsoft.com/office/powerpoint/2010/main" val="3419707464"/>
       </p:ext>
     </p:extLst>
   </p:cSld>
@@ -2471,7 +2445,7 @@
             <a:fld id="{2A145FE2-AB7C-46BC-8F86-612F87CDD637}" type="datetimeFigureOut">
               <a:rPr lang="en-US" smtClean="0"/>
               <a:pPr/>
-              <a:t>3/5/2017</a:t>
+              <a:t>3/21/2017</a:t>
             </a:fld>
             <a:endParaRPr lang="en-US"/>
           </a:p>
@@ -2523,7 +2497,7 @@
     </p:spTree>
     <p:extLst>
       <p:ext uri="{BB962C8B-B14F-4D97-AF65-F5344CB8AC3E}">
-        <p14:creationId xmlns="" xmlns:p14="http://schemas.microsoft.com/office/powerpoint/2010/main" val="932762734"/>
+        <p14:creationId xmlns:p14="http://schemas.microsoft.com/office/powerpoint/2010/main" val="932762734"/>
       </p:ext>
     </p:extLst>
   </p:cSld>
@@ -2726,7 +2700,7 @@
             <a:fld id="{2A145FE2-AB7C-46BC-8F86-612F87CDD637}" type="datetimeFigureOut">
               <a:rPr lang="en-US" smtClean="0"/>
               <a:pPr/>
-              <a:t>3/5/2017</a:t>
+              <a:t>3/21/2017</a:t>
             </a:fld>
             <a:endParaRPr lang="en-US"/>
           </a:p>
@@ -2778,7 +2752,7 @@
     </p:spTree>
     <p:extLst>
       <p:ext uri="{BB962C8B-B14F-4D97-AF65-F5344CB8AC3E}">
-        <p14:creationId xmlns="" xmlns:p14="http://schemas.microsoft.com/office/powerpoint/2010/main" val="2367942364"/>
+        <p14:creationId xmlns:p14="http://schemas.microsoft.com/office/powerpoint/2010/main" val="2367942364"/>
       </p:ext>
     </p:extLst>
   </p:cSld>
@@ -2946,7 +2920,7 @@
             <a:fld id="{2A145FE2-AB7C-46BC-8F86-612F87CDD637}" type="datetimeFigureOut">
               <a:rPr lang="en-US" smtClean="0"/>
               <a:pPr/>
-              <a:t>3/5/2017</a:t>
+              <a:t>3/21/2017</a:t>
             </a:fld>
             <a:endParaRPr lang="en-US"/>
           </a:p>
@@ -3034,7 +3008,7 @@
     </p:spTree>
     <p:extLst>
       <p:ext uri="{BB962C8B-B14F-4D97-AF65-F5344CB8AC3E}">
-        <p14:creationId xmlns="" xmlns:p14="http://schemas.microsoft.com/office/powerpoint/2010/main" val="1100484609"/>
+        <p14:creationId xmlns:p14="http://schemas.microsoft.com/office/powerpoint/2010/main" val="1100484609"/>
       </p:ext>
     </p:extLst>
   </p:cSld>
@@ -3384,19 +3358,7 @@
             </a:r>
             <a:r>
               <a:rPr lang="en-US" dirty="0" smtClean="0"/>
-              <a:t>-Dinh Vo, </a:t>
-            </a:r>
-            <a:r>
-              <a:rPr lang="en-US" dirty="0" smtClean="0"/>
-              <a:t>Thi-Dao </a:t>
-            </a:r>
-            <a:r>
-              <a:rPr lang="en-US" dirty="0" smtClean="0"/>
-              <a:t>Vu and Viet-Ha </a:t>
-            </a:r>
-            <a:r>
-              <a:rPr lang="en-US" dirty="0" smtClean="0"/>
-              <a:t>Nguyen</a:t>
+              <a:t>-Dinh Vo, Thi-Dao Vu and Viet-Ha Nguyen</a:t>
             </a:r>
           </a:p>
           <a:p>
@@ -3435,7 +3397,7 @@
           <a:blip r:embed="rId2" cstate="print">
             <a:extLst>
               <a:ext uri="{28A0092B-C50C-407E-A947-70E740481C1C}">
-                <a14:useLocalDpi xmlns="" xmlns:a14="http://schemas.microsoft.com/office/drawing/2010/main" val="0"/>
+                <a14:useLocalDpi xmlns:a14="http://schemas.microsoft.com/office/drawing/2010/main" val="0"/>
               </a:ext>
             </a:extLst>
           </a:blip>
@@ -3458,14 +3420,14 @@
           </a:ln>
           <a:extLst>
             <a:ext uri="{909E8E84-426E-40DD-AFC4-6F175D3DCCD1}">
-              <a14:hiddenFill xmlns="" xmlns:a14="http://schemas.microsoft.com/office/drawing/2010/main">
+              <a14:hiddenFill xmlns:a14="http://schemas.microsoft.com/office/drawing/2010/main">
                 <a:solidFill>
                   <a:schemeClr val="accent1"/>
                 </a:solidFill>
               </a14:hiddenFill>
             </a:ext>
             <a:ext uri="{91240B29-F687-4F45-9708-019B960494DF}">
-              <a14:hiddenLine xmlns="" xmlns:a14="http://schemas.microsoft.com/office/drawing/2010/main" w="9525">
+              <a14:hiddenLine xmlns:a14="http://schemas.microsoft.com/office/drawing/2010/main" w="9525">
                 <a:solidFill>
                   <a:schemeClr val="tx1"/>
                 </a:solidFill>
@@ -3480,7 +3442,7 @@
     </p:spTree>
     <p:extLst>
       <p:ext uri="{BB962C8B-B14F-4D97-AF65-F5344CB8AC3E}">
-        <p14:creationId xmlns="" xmlns:p14="http://schemas.microsoft.com/office/powerpoint/2010/main" val="44671813"/>
+        <p14:creationId xmlns:p14="http://schemas.microsoft.com/office/powerpoint/2010/main" val="44671813"/>
       </p:ext>
     </p:extLst>
   </p:cSld>
@@ -3494,1436 +3456,6 @@
       </p:par>
     </p:tnLst>
   </p:timing>
-</p:sld>
-</file>
-
-<file path=ppt/slides/slide10.xml><?xml version="1.0" encoding="utf-8"?>
-<p:sld xmlns:a="http://schemas.openxmlformats.org/drawingml/2006/main" xmlns:r="http://schemas.openxmlformats.org/officeDocument/2006/relationships" xmlns:p="http://schemas.openxmlformats.org/presentationml/2006/main">
-  <p:cSld>
-    <p:spTree>
-      <p:nvGrpSpPr>
-        <p:cNvPr id="1" name=""/>
-        <p:cNvGrpSpPr/>
-        <p:nvPr/>
-      </p:nvGrpSpPr>
-      <p:grpSpPr>
-        <a:xfrm>
-          <a:off x="0" y="0"/>
-          <a:ext cx="0" cy="0"/>
-          <a:chOff x="0" y="0"/>
-          <a:chExt cx="0" cy="0"/>
-        </a:xfrm>
-      </p:grpSpPr>
-      <p:sp>
-        <p:nvSpPr>
-          <p:cNvPr id="2" name="Title 1"/>
-          <p:cNvSpPr>
-            <a:spLocks noGrp="1"/>
-          </p:cNvSpPr>
-          <p:nvPr>
-            <p:ph type="title"/>
-          </p:nvPr>
-        </p:nvSpPr>
-        <p:spPr>
-          <a:xfrm>
-            <a:off x="-2912" y="0"/>
-            <a:ext cx="9146912" cy="692696"/>
-          </a:xfrm>
-          <a:solidFill>
-            <a:schemeClr val="bg1">
-              <a:lumMod val="75000"/>
-            </a:schemeClr>
-          </a:solidFill>
-        </p:spPr>
-        <p:txBody>
-          <a:bodyPr>
-            <a:normAutofit fontScale="90000"/>
-          </a:bodyPr>
-          <a:lstStyle/>
-          <a:p>
-            <a:pPr algn="l"/>
-            <a:r>
-              <a:rPr lang="en-US" dirty="0" smtClean="0">
-                <a:solidFill>
-                  <a:schemeClr val="bg1"/>
-                </a:solidFill>
-              </a:rPr>
-              <a:t> outline</a:t>
-            </a:r>
-            <a:endParaRPr lang="en-US" dirty="0">
-              <a:solidFill>
-                <a:schemeClr val="bg1"/>
-              </a:solidFill>
-            </a:endParaRPr>
-          </a:p>
-        </p:txBody>
-      </p:sp>
-      <p:sp>
-        <p:nvSpPr>
-          <p:cNvPr id="3" name="Content Placeholder 2"/>
-          <p:cNvSpPr>
-            <a:spLocks noGrp="1"/>
-          </p:cNvSpPr>
-          <p:nvPr>
-            <p:ph idx="1"/>
-          </p:nvPr>
-        </p:nvSpPr>
-        <p:spPr>
-          <a:xfrm>
-            <a:off x="457200" y="1052736"/>
-            <a:ext cx="8229600" cy="4205064"/>
-          </a:xfrm>
-        </p:spPr>
-        <p:txBody>
-          <a:bodyPr/>
-          <a:lstStyle/>
-          <a:p>
-            <a:pPr marL="0" indent="0">
-              <a:buNone/>
-            </a:pPr>
-            <a:r>
-              <a:rPr lang="en-US" dirty="0" smtClean="0"/>
-              <a:t>1. Introduction</a:t>
-            </a:r>
-          </a:p>
-          <a:p>
-            <a:pPr marL="0" indent="0">
-              <a:buNone/>
-            </a:pPr>
-            <a:r>
-              <a:rPr lang="en-US" dirty="0" smtClean="0"/>
-              <a:t>2. Background</a:t>
-            </a:r>
-          </a:p>
-          <a:p>
-            <a:pPr marL="0" indent="0">
-              <a:buNone/>
-            </a:pPr>
-            <a:r>
-              <a:rPr lang="en-US" b="1" dirty="0" smtClean="0"/>
-              <a:t>3. Related work</a:t>
-            </a:r>
-          </a:p>
-          <a:p>
-            <a:pPr marL="0" indent="0">
-              <a:buNone/>
-            </a:pPr>
-            <a:r>
-              <a:rPr lang="en-US" dirty="0" smtClean="0"/>
-              <a:t>4. Proposed approach</a:t>
-            </a:r>
-          </a:p>
-          <a:p>
-            <a:pPr marL="0" indent="0">
-              <a:buNone/>
-            </a:pPr>
-            <a:r>
-              <a:rPr lang="en-US" dirty="0" smtClean="0"/>
-              <a:t>5. Experimental result</a:t>
-            </a:r>
-          </a:p>
-          <a:p>
-            <a:pPr marL="0" indent="0">
-              <a:buNone/>
-            </a:pPr>
-            <a:r>
-              <a:rPr lang="en-US" dirty="0" smtClean="0"/>
-              <a:t>6. Conclusion</a:t>
-            </a:r>
-            <a:endParaRPr lang="en-US" dirty="0"/>
-          </a:p>
-        </p:txBody>
-      </p:sp>
-    </p:spTree>
-    <p:extLst>
-      <p:ext uri="{BB962C8B-B14F-4D97-AF65-F5344CB8AC3E}">
-        <p14:creationId xmlns="" xmlns:p14="http://schemas.microsoft.com/office/powerpoint/2010/main" val="2330834491"/>
-      </p:ext>
-    </p:extLst>
-  </p:cSld>
-  <p:clrMapOvr>
-    <a:masterClrMapping/>
-  </p:clrMapOvr>
-  <p:timing>
-    <p:tnLst>
-      <p:par>
-        <p:cTn id="1" dur="indefinite" restart="never" nodeType="tmRoot"/>
-      </p:par>
-    </p:tnLst>
-  </p:timing>
-</p:sld>
-</file>
-
-<file path=ppt/slides/slide11.xml><?xml version="1.0" encoding="utf-8"?>
-<p:sld xmlns:a="http://schemas.openxmlformats.org/drawingml/2006/main" xmlns:r="http://schemas.openxmlformats.org/officeDocument/2006/relationships" xmlns:p="http://schemas.openxmlformats.org/presentationml/2006/main">
-  <p:cSld>
-    <p:spTree>
-      <p:nvGrpSpPr>
-        <p:cNvPr id="1" name=""/>
-        <p:cNvGrpSpPr/>
-        <p:nvPr/>
-      </p:nvGrpSpPr>
-      <p:grpSpPr>
-        <a:xfrm>
-          <a:off x="0" y="0"/>
-          <a:ext cx="0" cy="0"/>
-          <a:chOff x="0" y="0"/>
-          <a:chExt cx="0" cy="0"/>
-        </a:xfrm>
-      </p:grpSpPr>
-      <p:sp>
-        <p:nvSpPr>
-          <p:cNvPr id="2" name="Title 1"/>
-          <p:cNvSpPr>
-            <a:spLocks noGrp="1"/>
-          </p:cNvSpPr>
-          <p:nvPr>
-            <p:ph type="title"/>
-          </p:nvPr>
-        </p:nvSpPr>
-        <p:spPr>
-          <a:xfrm>
-            <a:off x="-2912" y="0"/>
-            <a:ext cx="9146912" cy="692696"/>
-          </a:xfrm>
-          <a:solidFill>
-            <a:schemeClr val="bg1">
-              <a:lumMod val="75000"/>
-            </a:schemeClr>
-          </a:solidFill>
-        </p:spPr>
-        <p:txBody>
-          <a:bodyPr>
-            <a:normAutofit fontScale="90000"/>
-          </a:bodyPr>
-          <a:lstStyle/>
-          <a:p>
-            <a:pPr algn="l"/>
-            <a:r>
-              <a:rPr lang="en-US" dirty="0" smtClean="0">
-                <a:solidFill>
-                  <a:schemeClr val="bg1"/>
-                </a:solidFill>
-              </a:rPr>
-              <a:t> related work</a:t>
-            </a:r>
-            <a:endParaRPr lang="en-US" dirty="0">
-              <a:solidFill>
-                <a:schemeClr val="bg1"/>
-              </a:solidFill>
-            </a:endParaRPr>
-          </a:p>
-        </p:txBody>
-      </p:sp>
-      <p:sp>
-        <p:nvSpPr>
-          <p:cNvPr id="3" name="Content Placeholder 2"/>
-          <p:cNvSpPr>
-            <a:spLocks noGrp="1"/>
-          </p:cNvSpPr>
-          <p:nvPr>
-            <p:ph idx="1"/>
-          </p:nvPr>
-        </p:nvSpPr>
-        <p:spPr>
-          <a:xfrm>
-            <a:off x="457200" y="1052736"/>
-            <a:ext cx="8229600" cy="4205064"/>
-          </a:xfrm>
-        </p:spPr>
-        <p:txBody>
-          <a:bodyPr/>
-          <a:lstStyle/>
-          <a:p>
-            <a:pPr marL="0" indent="0">
-              <a:buNone/>
-            </a:pPr>
-            <a:r>
-              <a:rPr lang="en-US" dirty="0" smtClean="0"/>
-              <a:t>The path coverage literature using GA started with Lin and </a:t>
-            </a:r>
-            <a:r>
-              <a:rPr lang="en-US" dirty="0" err="1" smtClean="0"/>
-              <a:t>Yeh</a:t>
-            </a:r>
-            <a:r>
-              <a:rPr lang="en-US" dirty="0" smtClean="0"/>
-              <a:t> [2] in 2000. They extended Jones et al.'s work [3] from branch coverage to path coverage.</a:t>
-            </a:r>
-          </a:p>
-          <a:p>
-            <a:pPr marL="0" indent="0">
-              <a:buNone/>
-            </a:pPr>
-            <a:r>
-              <a:rPr lang="en-US" dirty="0" smtClean="0"/>
-              <a:t>Chen and </a:t>
-            </a:r>
-            <a:r>
-              <a:rPr lang="en-US" dirty="0" err="1" smtClean="0"/>
-              <a:t>Zhong</a:t>
-            </a:r>
-            <a:r>
-              <a:rPr lang="en-US" dirty="0" smtClean="0"/>
-              <a:t> [4] developed a multi-population genetic algorithm for path testing. </a:t>
-            </a:r>
-            <a:endParaRPr lang="en-US" dirty="0"/>
-          </a:p>
-        </p:txBody>
-      </p:sp>
-    </p:spTree>
-    <p:extLst>
-      <p:ext uri="{BB962C8B-B14F-4D97-AF65-F5344CB8AC3E}">
-        <p14:creationId xmlns="" xmlns:p14="http://schemas.microsoft.com/office/powerpoint/2010/main" val="2330834491"/>
-      </p:ext>
-    </p:extLst>
-  </p:cSld>
-  <p:clrMapOvr>
-    <a:masterClrMapping/>
-  </p:clrMapOvr>
-  <p:timing>
-    <p:tnLst>
-      <p:par>
-        <p:cTn id="1" dur="indefinite" restart="never" nodeType="tmRoot"/>
-      </p:par>
-    </p:tnLst>
-  </p:timing>
-</p:sld>
-</file>
-
-<file path=ppt/slides/slide12.xml><?xml version="1.0" encoding="utf-8"?>
-<p:sld xmlns:a="http://schemas.openxmlformats.org/drawingml/2006/main" xmlns:r="http://schemas.openxmlformats.org/officeDocument/2006/relationships" xmlns:p="http://schemas.openxmlformats.org/presentationml/2006/main">
-  <p:cSld>
-    <p:spTree>
-      <p:nvGrpSpPr>
-        <p:cNvPr id="1" name=""/>
-        <p:cNvGrpSpPr/>
-        <p:nvPr/>
-      </p:nvGrpSpPr>
-      <p:grpSpPr>
-        <a:xfrm>
-          <a:off x="0" y="0"/>
-          <a:ext cx="0" cy="0"/>
-          <a:chOff x="0" y="0"/>
-          <a:chExt cx="0" cy="0"/>
-        </a:xfrm>
-      </p:grpSpPr>
-      <p:sp>
-        <p:nvSpPr>
-          <p:cNvPr id="2" name="Title 1"/>
-          <p:cNvSpPr>
-            <a:spLocks noGrp="1"/>
-          </p:cNvSpPr>
-          <p:nvPr>
-            <p:ph type="title"/>
-          </p:nvPr>
-        </p:nvSpPr>
-        <p:spPr>
-          <a:xfrm>
-            <a:off x="-2912" y="0"/>
-            <a:ext cx="9146912" cy="692696"/>
-          </a:xfrm>
-          <a:solidFill>
-            <a:schemeClr val="bg1">
-              <a:lumMod val="75000"/>
-            </a:schemeClr>
-          </a:solidFill>
-        </p:spPr>
-        <p:txBody>
-          <a:bodyPr>
-            <a:normAutofit fontScale="90000"/>
-          </a:bodyPr>
-          <a:lstStyle/>
-          <a:p>
-            <a:pPr algn="l"/>
-            <a:r>
-              <a:rPr lang="en-US" dirty="0" smtClean="0">
-                <a:solidFill>
-                  <a:schemeClr val="bg1"/>
-                </a:solidFill>
-              </a:rPr>
-              <a:t> related work (</a:t>
-            </a:r>
-            <a:r>
-              <a:rPr lang="en-US" dirty="0" err="1" smtClean="0">
-                <a:solidFill>
-                  <a:schemeClr val="bg1"/>
-                </a:solidFill>
-              </a:rPr>
-              <a:t>cond</a:t>
-            </a:r>
-            <a:r>
-              <a:rPr lang="en-US" dirty="0" smtClean="0">
-                <a:solidFill>
-                  <a:schemeClr val="bg1"/>
-                </a:solidFill>
-              </a:rPr>
-              <a:t>)</a:t>
-            </a:r>
-            <a:endParaRPr lang="en-US" dirty="0">
-              <a:solidFill>
-                <a:schemeClr val="bg1"/>
-              </a:solidFill>
-            </a:endParaRPr>
-          </a:p>
-        </p:txBody>
-      </p:sp>
-      <p:sp>
-        <p:nvSpPr>
-          <p:cNvPr id="3" name="Content Placeholder 2"/>
-          <p:cNvSpPr>
-            <a:spLocks noGrp="1"/>
-          </p:cNvSpPr>
-          <p:nvPr>
-            <p:ph idx="1"/>
-          </p:nvPr>
-        </p:nvSpPr>
-        <p:spPr>
-          <a:xfrm>
-            <a:off x="457200" y="1052736"/>
-            <a:ext cx="8229600" cy="4205064"/>
-          </a:xfrm>
-        </p:spPr>
-        <p:txBody>
-          <a:bodyPr/>
-          <a:lstStyle/>
-          <a:p>
-            <a:pPr marL="0" indent="0">
-              <a:buNone/>
-            </a:pPr>
-            <a:r>
-              <a:rPr lang="en-US" dirty="0" err="1" smtClean="0"/>
-              <a:t>Malburg</a:t>
-            </a:r>
-            <a:r>
-              <a:rPr lang="en-US" dirty="0" smtClean="0"/>
-              <a:t> and Fraser [5] introduced a novel mutation operator for evolutionary search which based on dynamic SE. </a:t>
-            </a:r>
-          </a:p>
-          <a:p>
-            <a:pPr marL="0" indent="0">
-              <a:buNone/>
-            </a:pPr>
-            <a:r>
-              <a:rPr lang="en-US" dirty="0" smtClean="0"/>
-              <a:t>Ahmed and </a:t>
-            </a:r>
-            <a:r>
-              <a:rPr lang="en-US" dirty="0" err="1" smtClean="0"/>
-              <a:t>Hermadi</a:t>
-            </a:r>
-            <a:r>
-              <a:rPr lang="en-US" dirty="0" smtClean="0"/>
-              <a:t> [6] improved their GA research [7] in 2003 by adding a rewarding scheme and using a more efficient test data generator. </a:t>
-            </a:r>
-            <a:endParaRPr lang="en-US" dirty="0"/>
-          </a:p>
-        </p:txBody>
-      </p:sp>
-    </p:spTree>
-    <p:extLst>
-      <p:ext uri="{BB962C8B-B14F-4D97-AF65-F5344CB8AC3E}">
-        <p14:creationId xmlns="" xmlns:p14="http://schemas.microsoft.com/office/powerpoint/2010/main" val="2330834491"/>
-      </p:ext>
-    </p:extLst>
-  </p:cSld>
-  <p:clrMapOvr>
-    <a:masterClrMapping/>
-  </p:clrMapOvr>
-  <p:timing>
-    <p:tnLst>
-      <p:par>
-        <p:cTn id="1" dur="indefinite" restart="never" nodeType="tmRoot"/>
-      </p:par>
-    </p:tnLst>
-  </p:timing>
-</p:sld>
-</file>
-
-<file path=ppt/slides/slide13.xml><?xml version="1.0" encoding="utf-8"?>
-<p:sld xmlns:a="http://schemas.openxmlformats.org/drawingml/2006/main" xmlns:r="http://schemas.openxmlformats.org/officeDocument/2006/relationships" xmlns:p="http://schemas.openxmlformats.org/presentationml/2006/main">
-  <p:cSld>
-    <p:spTree>
-      <p:nvGrpSpPr>
-        <p:cNvPr id="1" name=""/>
-        <p:cNvGrpSpPr/>
-        <p:nvPr/>
-      </p:nvGrpSpPr>
-      <p:grpSpPr>
-        <a:xfrm>
-          <a:off x="0" y="0"/>
-          <a:ext cx="0" cy="0"/>
-          <a:chOff x="0" y="0"/>
-          <a:chExt cx="0" cy="0"/>
-        </a:xfrm>
-      </p:grpSpPr>
-      <p:sp>
-        <p:nvSpPr>
-          <p:cNvPr id="2" name="Title 1"/>
-          <p:cNvSpPr>
-            <a:spLocks noGrp="1"/>
-          </p:cNvSpPr>
-          <p:nvPr>
-            <p:ph type="title"/>
-          </p:nvPr>
-        </p:nvSpPr>
-        <p:spPr>
-          <a:xfrm>
-            <a:off x="-2912" y="0"/>
-            <a:ext cx="9146912" cy="692696"/>
-          </a:xfrm>
-          <a:solidFill>
-            <a:schemeClr val="bg1">
-              <a:lumMod val="75000"/>
-            </a:schemeClr>
-          </a:solidFill>
-        </p:spPr>
-        <p:txBody>
-          <a:bodyPr>
-            <a:normAutofit fontScale="90000"/>
-          </a:bodyPr>
-          <a:lstStyle/>
-          <a:p>
-            <a:pPr algn="l"/>
-            <a:r>
-              <a:rPr lang="en-US" dirty="0" smtClean="0">
-                <a:solidFill>
-                  <a:schemeClr val="bg1"/>
-                </a:solidFill>
-              </a:rPr>
-              <a:t> outline</a:t>
-            </a:r>
-            <a:endParaRPr lang="en-US" dirty="0">
-              <a:solidFill>
-                <a:schemeClr val="bg1"/>
-              </a:solidFill>
-            </a:endParaRPr>
-          </a:p>
-        </p:txBody>
-      </p:sp>
-      <p:sp>
-        <p:nvSpPr>
-          <p:cNvPr id="3" name="Content Placeholder 2"/>
-          <p:cNvSpPr>
-            <a:spLocks noGrp="1"/>
-          </p:cNvSpPr>
-          <p:nvPr>
-            <p:ph idx="1"/>
-          </p:nvPr>
-        </p:nvSpPr>
-        <p:spPr>
-          <a:xfrm>
-            <a:off x="457200" y="1052736"/>
-            <a:ext cx="8229600" cy="4205064"/>
-          </a:xfrm>
-        </p:spPr>
-        <p:txBody>
-          <a:bodyPr/>
-          <a:lstStyle/>
-          <a:p>
-            <a:pPr marL="0" indent="0">
-              <a:buNone/>
-            </a:pPr>
-            <a:r>
-              <a:rPr lang="en-US" dirty="0" smtClean="0"/>
-              <a:t>1. Introduction</a:t>
-            </a:r>
-          </a:p>
-          <a:p>
-            <a:pPr marL="0" indent="0">
-              <a:buNone/>
-            </a:pPr>
-            <a:r>
-              <a:rPr lang="en-US" dirty="0" smtClean="0"/>
-              <a:t>2. Background</a:t>
-            </a:r>
-          </a:p>
-          <a:p>
-            <a:pPr marL="0" indent="0">
-              <a:buNone/>
-            </a:pPr>
-            <a:r>
-              <a:rPr lang="en-US" dirty="0" smtClean="0"/>
-              <a:t>3. Related work</a:t>
-            </a:r>
-          </a:p>
-          <a:p>
-            <a:pPr marL="0" indent="0">
-              <a:buNone/>
-            </a:pPr>
-            <a:r>
-              <a:rPr lang="en-US" b="1" dirty="0" smtClean="0"/>
-              <a:t>4. Proposed approach</a:t>
-            </a:r>
-          </a:p>
-          <a:p>
-            <a:pPr marL="0" indent="0">
-              <a:buNone/>
-            </a:pPr>
-            <a:r>
-              <a:rPr lang="en-US" dirty="0" smtClean="0"/>
-              <a:t>5. Experimental result</a:t>
-            </a:r>
-          </a:p>
-          <a:p>
-            <a:pPr marL="0" indent="0">
-              <a:buNone/>
-            </a:pPr>
-            <a:r>
-              <a:rPr lang="en-US" dirty="0" smtClean="0"/>
-              <a:t>6. Conclusion</a:t>
-            </a:r>
-            <a:endParaRPr lang="en-US" dirty="0"/>
-          </a:p>
-        </p:txBody>
-      </p:sp>
-    </p:spTree>
-    <p:extLst>
-      <p:ext uri="{BB962C8B-B14F-4D97-AF65-F5344CB8AC3E}">
-        <p14:creationId xmlns="" xmlns:p14="http://schemas.microsoft.com/office/powerpoint/2010/main" val="1848409642"/>
-      </p:ext>
-    </p:extLst>
-  </p:cSld>
-  <p:clrMapOvr>
-    <a:masterClrMapping/>
-  </p:clrMapOvr>
-</p:sld>
-</file>
-
-<file path=ppt/slides/slide14.xml><?xml version="1.0" encoding="utf-8"?>
-<p:sld xmlns:a="http://schemas.openxmlformats.org/drawingml/2006/main" xmlns:r="http://schemas.openxmlformats.org/officeDocument/2006/relationships" xmlns:p="http://schemas.openxmlformats.org/presentationml/2006/main">
-  <p:cSld>
-    <p:spTree>
-      <p:nvGrpSpPr>
-        <p:cNvPr id="1" name=""/>
-        <p:cNvGrpSpPr/>
-        <p:nvPr/>
-      </p:nvGrpSpPr>
-      <p:grpSpPr>
-        <a:xfrm>
-          <a:off x="0" y="0"/>
-          <a:ext cx="0" cy="0"/>
-          <a:chOff x="0" y="0"/>
-          <a:chExt cx="0" cy="0"/>
-        </a:xfrm>
-      </p:grpSpPr>
-      <p:sp>
-        <p:nvSpPr>
-          <p:cNvPr id="2" name="Title 1"/>
-          <p:cNvSpPr>
-            <a:spLocks noGrp="1"/>
-          </p:cNvSpPr>
-          <p:nvPr>
-            <p:ph type="title"/>
-          </p:nvPr>
-        </p:nvSpPr>
-        <p:spPr>
-          <a:xfrm>
-            <a:off x="-2912" y="0"/>
-            <a:ext cx="9146912" cy="692696"/>
-          </a:xfrm>
-          <a:solidFill>
-            <a:schemeClr val="bg1">
-              <a:lumMod val="75000"/>
-            </a:schemeClr>
-          </a:solidFill>
-        </p:spPr>
-        <p:txBody>
-          <a:bodyPr>
-            <a:normAutofit fontScale="90000"/>
-          </a:bodyPr>
-          <a:lstStyle/>
-          <a:p>
-            <a:pPr algn="l"/>
-            <a:r>
-              <a:rPr lang="en-US" dirty="0" smtClean="0">
-                <a:solidFill>
-                  <a:schemeClr val="bg1"/>
-                </a:solidFill>
-              </a:rPr>
-              <a:t> main steps</a:t>
-            </a:r>
-            <a:endParaRPr lang="en-US" dirty="0">
-              <a:solidFill>
-                <a:schemeClr val="bg1"/>
-              </a:solidFill>
-            </a:endParaRPr>
-          </a:p>
-        </p:txBody>
-      </p:sp>
-      <p:pic>
-        <p:nvPicPr>
-          <p:cNvPr id="1026" name="Picture 2"/>
-          <p:cNvPicPr>
-            <a:picLocks noChangeAspect="1" noChangeArrowheads="1"/>
-          </p:cNvPicPr>
-          <p:nvPr/>
-        </p:nvPicPr>
-        <p:blipFill>
-          <a:blip r:embed="rId2" cstate="print"/>
-          <a:srcRect/>
-          <a:stretch>
-            <a:fillRect/>
-          </a:stretch>
-        </p:blipFill>
-        <p:spPr bwMode="auto">
-          <a:xfrm>
-            <a:off x="683568" y="980728"/>
-            <a:ext cx="7848872" cy="5328592"/>
-          </a:xfrm>
-          <a:prstGeom prst="rect">
-            <a:avLst/>
-          </a:prstGeom>
-          <a:noFill/>
-          <a:ln w="9525">
-            <a:noFill/>
-            <a:miter lim="800000"/>
-            <a:headEnd/>
-            <a:tailEnd/>
-          </a:ln>
-        </p:spPr>
-      </p:pic>
-    </p:spTree>
-    <p:extLst>
-      <p:ext uri="{BB962C8B-B14F-4D97-AF65-F5344CB8AC3E}">
-        <p14:creationId xmlns="" xmlns:p14="http://schemas.microsoft.com/office/powerpoint/2010/main" val="1848409642"/>
-      </p:ext>
-    </p:extLst>
-  </p:cSld>
-  <p:clrMapOvr>
-    <a:masterClrMapping/>
-  </p:clrMapOvr>
-</p:sld>
-</file>
-
-<file path=ppt/slides/slide15.xml><?xml version="1.0" encoding="utf-8"?>
-<p:sld xmlns:a="http://schemas.openxmlformats.org/drawingml/2006/main" xmlns:r="http://schemas.openxmlformats.org/officeDocument/2006/relationships" xmlns:p="http://schemas.openxmlformats.org/presentationml/2006/main">
-  <p:cSld>
-    <p:spTree>
-      <p:nvGrpSpPr>
-        <p:cNvPr id="1" name=""/>
-        <p:cNvGrpSpPr/>
-        <p:nvPr/>
-      </p:nvGrpSpPr>
-      <p:grpSpPr>
-        <a:xfrm>
-          <a:off x="0" y="0"/>
-          <a:ext cx="0" cy="0"/>
-          <a:chOff x="0" y="0"/>
-          <a:chExt cx="0" cy="0"/>
-        </a:xfrm>
-      </p:grpSpPr>
-      <p:sp>
-        <p:nvSpPr>
-          <p:cNvPr id="2" name="Title 1"/>
-          <p:cNvSpPr>
-            <a:spLocks noGrp="1"/>
-          </p:cNvSpPr>
-          <p:nvPr>
-            <p:ph type="title"/>
-          </p:nvPr>
-        </p:nvSpPr>
-        <p:spPr>
-          <a:xfrm>
-            <a:off x="-2912" y="0"/>
-            <a:ext cx="9146912" cy="692696"/>
-          </a:xfrm>
-          <a:solidFill>
-            <a:schemeClr val="bg1">
-              <a:lumMod val="75000"/>
-            </a:schemeClr>
-          </a:solidFill>
-        </p:spPr>
-        <p:txBody>
-          <a:bodyPr>
-            <a:normAutofit fontScale="90000"/>
-          </a:bodyPr>
-          <a:lstStyle/>
-          <a:p>
-            <a:pPr algn="l"/>
-            <a:r>
-              <a:rPr lang="en-US" dirty="0" smtClean="0">
-                <a:solidFill>
-                  <a:schemeClr val="bg1"/>
-                </a:solidFill>
-              </a:rPr>
-              <a:t> step 1: static program analysis </a:t>
-            </a:r>
-            <a:endParaRPr lang="en-US" dirty="0">
-              <a:solidFill>
-                <a:schemeClr val="bg1"/>
-              </a:solidFill>
-            </a:endParaRPr>
-          </a:p>
-        </p:txBody>
-      </p:sp>
-      <p:sp>
-        <p:nvSpPr>
-          <p:cNvPr id="3" name="Content Placeholder 2"/>
-          <p:cNvSpPr>
-            <a:spLocks noGrp="1"/>
-          </p:cNvSpPr>
-          <p:nvPr>
-            <p:ph idx="1"/>
-          </p:nvPr>
-        </p:nvSpPr>
-        <p:spPr>
-          <a:xfrm>
-            <a:off x="457200" y="1052736"/>
-            <a:ext cx="8229600" cy="4205064"/>
-          </a:xfrm>
-        </p:spPr>
-        <p:txBody>
-          <a:bodyPr/>
-          <a:lstStyle/>
-          <a:p>
-            <a:pPr marL="0" indent="0">
-              <a:buNone/>
-            </a:pPr>
-            <a:r>
-              <a:rPr lang="en-US" dirty="0" smtClean="0"/>
-              <a:t>Solve path conditions </a:t>
-            </a:r>
-          </a:p>
-          <a:p>
-            <a:pPr marL="0" indent="0">
-              <a:buNone/>
-            </a:pPr>
-            <a:r>
-              <a:rPr lang="en-US" dirty="0" smtClean="0"/>
-              <a:t>Store constraint satisfaction </a:t>
-            </a:r>
-          </a:p>
-        </p:txBody>
-      </p:sp>
-    </p:spTree>
-    <p:extLst>
-      <p:ext uri="{BB962C8B-B14F-4D97-AF65-F5344CB8AC3E}">
-        <p14:creationId xmlns="" xmlns:p14="http://schemas.microsoft.com/office/powerpoint/2010/main" val="1848409642"/>
-      </p:ext>
-    </p:extLst>
-  </p:cSld>
-  <p:clrMapOvr>
-    <a:masterClrMapping/>
-  </p:clrMapOvr>
-</p:sld>
-</file>
-
-<file path=ppt/slides/slide16.xml><?xml version="1.0" encoding="utf-8"?>
-<p:sld xmlns:a="http://schemas.openxmlformats.org/drawingml/2006/main" xmlns:r="http://schemas.openxmlformats.org/officeDocument/2006/relationships" xmlns:p="http://schemas.openxmlformats.org/presentationml/2006/main">
-  <p:cSld>
-    <p:spTree>
-      <p:nvGrpSpPr>
-        <p:cNvPr id="1" name=""/>
-        <p:cNvGrpSpPr/>
-        <p:nvPr/>
-      </p:nvGrpSpPr>
-      <p:grpSpPr>
-        <a:xfrm>
-          <a:off x="0" y="0"/>
-          <a:ext cx="0" cy="0"/>
-          <a:chOff x="0" y="0"/>
-          <a:chExt cx="0" cy="0"/>
-        </a:xfrm>
-      </p:grpSpPr>
-      <p:sp>
-        <p:nvSpPr>
-          <p:cNvPr id="2" name="Title 1"/>
-          <p:cNvSpPr>
-            <a:spLocks noGrp="1"/>
-          </p:cNvSpPr>
-          <p:nvPr>
-            <p:ph type="title"/>
-          </p:nvPr>
-        </p:nvSpPr>
-        <p:spPr>
-          <a:xfrm>
-            <a:off x="-2912" y="0"/>
-            <a:ext cx="9146912" cy="692696"/>
-          </a:xfrm>
-          <a:solidFill>
-            <a:schemeClr val="bg1">
-              <a:lumMod val="75000"/>
-            </a:schemeClr>
-          </a:solidFill>
-        </p:spPr>
-        <p:txBody>
-          <a:bodyPr>
-            <a:normAutofit fontScale="90000"/>
-          </a:bodyPr>
-          <a:lstStyle/>
-          <a:p>
-            <a:pPr algn="l"/>
-            <a:r>
-              <a:rPr lang="en-US" b="1" dirty="0" smtClean="0">
-                <a:solidFill>
-                  <a:schemeClr val="bg1"/>
-                </a:solidFill>
-              </a:rPr>
-              <a:t> </a:t>
-            </a:r>
-            <a:r>
-              <a:rPr lang="en-US" dirty="0" smtClean="0">
-                <a:solidFill>
-                  <a:schemeClr val="bg1"/>
-                </a:solidFill>
-              </a:rPr>
-              <a:t>solve path conditions</a:t>
-            </a:r>
-            <a:r>
-              <a:rPr lang="en-US" b="1" dirty="0" smtClean="0">
-                <a:solidFill>
-                  <a:schemeClr val="bg1"/>
-                </a:solidFill>
-              </a:rPr>
-              <a:t> </a:t>
-            </a:r>
-            <a:endParaRPr lang="en-US" b="1" dirty="0">
-              <a:solidFill>
-                <a:schemeClr val="bg1"/>
-              </a:solidFill>
-            </a:endParaRPr>
-          </a:p>
-        </p:txBody>
-      </p:sp>
-      <p:pic>
-        <p:nvPicPr>
-          <p:cNvPr id="2050" name="Picture 2"/>
-          <p:cNvPicPr>
-            <a:picLocks noChangeAspect="1" noChangeArrowheads="1"/>
-          </p:cNvPicPr>
-          <p:nvPr/>
-        </p:nvPicPr>
-        <p:blipFill>
-          <a:blip r:embed="rId2" cstate="print"/>
-          <a:srcRect/>
-          <a:stretch>
-            <a:fillRect/>
-          </a:stretch>
-        </p:blipFill>
-        <p:spPr bwMode="auto">
-          <a:xfrm>
-            <a:off x="1043608" y="908720"/>
-            <a:ext cx="6848475" cy="2466975"/>
-          </a:xfrm>
-          <a:prstGeom prst="rect">
-            <a:avLst/>
-          </a:prstGeom>
-          <a:noFill/>
-          <a:ln w="9525">
-            <a:noFill/>
-            <a:miter lim="800000"/>
-            <a:headEnd/>
-            <a:tailEnd/>
-          </a:ln>
-        </p:spPr>
-      </p:pic>
-      <p:pic>
-        <p:nvPicPr>
-          <p:cNvPr id="2051" name="Picture 3"/>
-          <p:cNvPicPr>
-            <a:picLocks noChangeAspect="1" noChangeArrowheads="1"/>
-          </p:cNvPicPr>
-          <p:nvPr/>
-        </p:nvPicPr>
-        <p:blipFill>
-          <a:blip r:embed="rId3" cstate="print"/>
-          <a:srcRect/>
-          <a:stretch>
-            <a:fillRect/>
-          </a:stretch>
-        </p:blipFill>
-        <p:spPr bwMode="auto">
-          <a:xfrm>
-            <a:off x="467544" y="3573016"/>
-            <a:ext cx="8424936" cy="2476500"/>
-          </a:xfrm>
-          <a:prstGeom prst="rect">
-            <a:avLst/>
-          </a:prstGeom>
-          <a:noFill/>
-          <a:ln w="9525">
-            <a:noFill/>
-            <a:miter lim="800000"/>
-            <a:headEnd/>
-            <a:tailEnd/>
-          </a:ln>
-        </p:spPr>
-      </p:pic>
-    </p:spTree>
-    <p:extLst>
-      <p:ext uri="{BB962C8B-B14F-4D97-AF65-F5344CB8AC3E}">
-        <p14:creationId xmlns="" xmlns:p14="http://schemas.microsoft.com/office/powerpoint/2010/main" val="1848409642"/>
-      </p:ext>
-    </p:extLst>
-  </p:cSld>
-  <p:clrMapOvr>
-    <a:masterClrMapping/>
-  </p:clrMapOvr>
-</p:sld>
-</file>
-
-<file path=ppt/slides/slide17.xml><?xml version="1.0" encoding="utf-8"?>
-<p:sld xmlns:a="http://schemas.openxmlformats.org/drawingml/2006/main" xmlns:r="http://schemas.openxmlformats.org/officeDocument/2006/relationships" xmlns:p="http://schemas.openxmlformats.org/presentationml/2006/main">
-  <p:cSld>
-    <p:spTree>
-      <p:nvGrpSpPr>
-        <p:cNvPr id="1" name=""/>
-        <p:cNvGrpSpPr/>
-        <p:nvPr/>
-      </p:nvGrpSpPr>
-      <p:grpSpPr>
-        <a:xfrm>
-          <a:off x="0" y="0"/>
-          <a:ext cx="0" cy="0"/>
-          <a:chOff x="0" y="0"/>
-          <a:chExt cx="0" cy="0"/>
-        </a:xfrm>
-      </p:grpSpPr>
-      <p:sp>
-        <p:nvSpPr>
-          <p:cNvPr id="2" name="Title 1"/>
-          <p:cNvSpPr>
-            <a:spLocks noGrp="1"/>
-          </p:cNvSpPr>
-          <p:nvPr>
-            <p:ph type="title"/>
-          </p:nvPr>
-        </p:nvSpPr>
-        <p:spPr>
-          <a:xfrm>
-            <a:off x="-2912" y="0"/>
-            <a:ext cx="9146912" cy="692696"/>
-          </a:xfrm>
-          <a:solidFill>
-            <a:schemeClr val="bg1">
-              <a:lumMod val="75000"/>
-            </a:schemeClr>
-          </a:solidFill>
-        </p:spPr>
-        <p:txBody>
-          <a:bodyPr>
-            <a:normAutofit fontScale="90000"/>
-          </a:bodyPr>
-          <a:lstStyle/>
-          <a:p>
-            <a:pPr algn="l"/>
-            <a:r>
-              <a:rPr lang="en-US" b="1" dirty="0" smtClean="0">
-                <a:solidFill>
-                  <a:schemeClr val="bg1"/>
-                </a:solidFill>
-              </a:rPr>
-              <a:t> </a:t>
-            </a:r>
-            <a:r>
-              <a:rPr lang="en-US" dirty="0" smtClean="0">
-                <a:solidFill>
-                  <a:schemeClr val="bg1"/>
-                </a:solidFill>
-              </a:rPr>
-              <a:t>store constraint satisfaction</a:t>
-            </a:r>
-            <a:r>
-              <a:rPr lang="en-US" b="1" dirty="0" smtClean="0">
-                <a:solidFill>
-                  <a:schemeClr val="bg1"/>
-                </a:solidFill>
-              </a:rPr>
-              <a:t> </a:t>
-            </a:r>
-            <a:endParaRPr lang="en-US" b="1" dirty="0">
-              <a:solidFill>
-                <a:schemeClr val="bg1"/>
-              </a:solidFill>
-            </a:endParaRPr>
-          </a:p>
-        </p:txBody>
-      </p:sp>
-      <p:pic>
-        <p:nvPicPr>
-          <p:cNvPr id="3074" name="Picture 2"/>
-          <p:cNvPicPr>
-            <a:picLocks noChangeAspect="1" noChangeArrowheads="1"/>
-          </p:cNvPicPr>
-          <p:nvPr/>
-        </p:nvPicPr>
-        <p:blipFill>
-          <a:blip r:embed="rId2" cstate="print"/>
-          <a:srcRect/>
-          <a:stretch>
-            <a:fillRect/>
-          </a:stretch>
-        </p:blipFill>
-        <p:spPr bwMode="auto">
-          <a:xfrm>
-            <a:off x="755577" y="908720"/>
-            <a:ext cx="7344816" cy="2736304"/>
-          </a:xfrm>
-          <a:prstGeom prst="rect">
-            <a:avLst/>
-          </a:prstGeom>
-          <a:noFill/>
-          <a:ln w="9525">
-            <a:noFill/>
-            <a:miter lim="800000"/>
-            <a:headEnd/>
-            <a:tailEnd/>
-          </a:ln>
-        </p:spPr>
-      </p:pic>
-      <p:grpSp>
-        <p:nvGrpSpPr>
-          <p:cNvPr id="4" name="Group 3"/>
-          <p:cNvGrpSpPr/>
-          <p:nvPr/>
-        </p:nvGrpSpPr>
-        <p:grpSpPr>
-          <a:xfrm>
-            <a:off x="611560" y="3789040"/>
-            <a:ext cx="8064896" cy="2681858"/>
-            <a:chOff x="611560" y="3789040"/>
-            <a:chExt cx="8064896" cy="2681858"/>
-          </a:xfrm>
-        </p:grpSpPr>
-        <p:pic>
-          <p:nvPicPr>
-            <p:cNvPr id="3076" name="Picture 4"/>
-            <p:cNvPicPr>
-              <a:picLocks noChangeAspect="1" noChangeArrowheads="1"/>
-            </p:cNvPicPr>
-            <p:nvPr/>
-          </p:nvPicPr>
-          <p:blipFill>
-            <a:blip r:embed="rId3" cstate="print"/>
-            <a:srcRect/>
-            <a:stretch>
-              <a:fillRect/>
-            </a:stretch>
-          </p:blipFill>
-          <p:spPr bwMode="auto">
-            <a:xfrm>
-              <a:off x="611560" y="3789040"/>
-              <a:ext cx="7920880" cy="2681858"/>
-            </a:xfrm>
-            <a:prstGeom prst="rect">
-              <a:avLst/>
-            </a:prstGeom>
-            <a:noFill/>
-            <a:ln w="9525">
-              <a:noFill/>
-              <a:miter lim="800000"/>
-              <a:headEnd/>
-              <a:tailEnd/>
-            </a:ln>
-          </p:spPr>
-        </p:pic>
-        <p:sp>
-          <p:nvSpPr>
-            <p:cNvPr id="3" name="Rectangle 2"/>
-            <p:cNvSpPr/>
-            <p:nvPr/>
-          </p:nvSpPr>
-          <p:spPr>
-            <a:xfrm>
-              <a:off x="5004048" y="5543550"/>
-              <a:ext cx="3672408" cy="927348"/>
-            </a:xfrm>
-            <a:prstGeom prst="rect">
-              <a:avLst/>
-            </a:prstGeom>
-            <a:noFill/>
-            <a:ln w="28575">
-              <a:solidFill>
-                <a:srgbClr val="FF0000"/>
-              </a:solidFill>
-            </a:ln>
-          </p:spPr>
-          <p:style>
-            <a:lnRef idx="2">
-              <a:schemeClr val="accent1">
-                <a:shade val="50000"/>
-              </a:schemeClr>
-            </a:lnRef>
-            <a:fillRef idx="1">
-              <a:schemeClr val="accent1"/>
-            </a:fillRef>
-            <a:effectRef idx="0">
-              <a:schemeClr val="accent1"/>
-            </a:effectRef>
-            <a:fontRef idx="minor">
-              <a:schemeClr val="lt1"/>
-            </a:fontRef>
-          </p:style>
-          <p:txBody>
-            <a:bodyPr rtlCol="0" anchor="ctr"/>
-            <a:lstStyle/>
-            <a:p>
-              <a:pPr algn="ctr"/>
-              <a:endParaRPr lang="en-US"/>
-            </a:p>
-          </p:txBody>
-        </p:sp>
-      </p:grpSp>
-    </p:spTree>
-    <p:extLst>
-      <p:ext uri="{BB962C8B-B14F-4D97-AF65-F5344CB8AC3E}">
-        <p14:creationId xmlns="" xmlns:p14="http://schemas.microsoft.com/office/powerpoint/2010/main" val="1848409642"/>
-      </p:ext>
-    </p:extLst>
-  </p:cSld>
-  <p:clrMapOvr>
-    <a:masterClrMapping/>
-  </p:clrMapOvr>
-</p:sld>
-</file>
-
-<file path=ppt/slides/slide18.xml><?xml version="1.0" encoding="utf-8"?>
-<p:sld xmlns:a="http://schemas.openxmlformats.org/drawingml/2006/main" xmlns:r="http://schemas.openxmlformats.org/officeDocument/2006/relationships" xmlns:p="http://schemas.openxmlformats.org/presentationml/2006/main">
-  <p:cSld>
-    <p:spTree>
-      <p:nvGrpSpPr>
-        <p:cNvPr id="1" name=""/>
-        <p:cNvGrpSpPr/>
-        <p:nvPr/>
-      </p:nvGrpSpPr>
-      <p:grpSpPr>
-        <a:xfrm>
-          <a:off x="0" y="0"/>
-          <a:ext cx="0" cy="0"/>
-          <a:chOff x="0" y="0"/>
-          <a:chExt cx="0" cy="0"/>
-        </a:xfrm>
-      </p:grpSpPr>
-      <p:sp>
-        <p:nvSpPr>
-          <p:cNvPr id="2" name="Title 1"/>
-          <p:cNvSpPr>
-            <a:spLocks noGrp="1"/>
-          </p:cNvSpPr>
-          <p:nvPr>
-            <p:ph type="title"/>
-          </p:nvPr>
-        </p:nvSpPr>
-        <p:spPr>
-          <a:xfrm>
-            <a:off x="-2912" y="0"/>
-            <a:ext cx="9146912" cy="692696"/>
-          </a:xfrm>
-          <a:solidFill>
-            <a:schemeClr val="bg1">
-              <a:lumMod val="75000"/>
-            </a:schemeClr>
-          </a:solidFill>
-        </p:spPr>
-        <p:txBody>
-          <a:bodyPr>
-            <a:normAutofit fontScale="90000"/>
-          </a:bodyPr>
-          <a:lstStyle/>
-          <a:p>
-            <a:pPr algn="l"/>
-            <a:r>
-              <a:rPr lang="en-US" dirty="0" smtClean="0">
-                <a:solidFill>
-                  <a:schemeClr val="bg1"/>
-                </a:solidFill>
-              </a:rPr>
-              <a:t> step 2: execute GA</a:t>
-            </a:r>
-            <a:endParaRPr lang="en-US" dirty="0">
-              <a:solidFill>
-                <a:schemeClr val="bg1"/>
-              </a:solidFill>
-            </a:endParaRPr>
-          </a:p>
-        </p:txBody>
-      </p:sp>
-      <p:sp>
-        <p:nvSpPr>
-          <p:cNvPr id="3" name="Content Placeholder 2"/>
-          <p:cNvSpPr>
-            <a:spLocks noGrp="1"/>
-          </p:cNvSpPr>
-          <p:nvPr>
-            <p:ph idx="1"/>
-          </p:nvPr>
-        </p:nvSpPr>
-        <p:spPr>
-          <a:xfrm>
-            <a:off x="457200" y="1052736"/>
-            <a:ext cx="8229600" cy="1690464"/>
-          </a:xfrm>
-        </p:spPr>
-        <p:txBody>
-          <a:bodyPr/>
-          <a:lstStyle/>
-          <a:p>
-            <a:pPr marL="0" indent="0">
-              <a:buNone/>
-            </a:pPr>
-            <a:r>
-              <a:rPr lang="en-US" dirty="0" smtClean="0"/>
-              <a:t>Create fitness function </a:t>
-            </a:r>
-          </a:p>
-          <a:p>
-            <a:pPr marL="0" indent="0">
-              <a:buNone/>
-            </a:pPr>
-            <a:r>
-              <a:rPr lang="en-US" dirty="0" smtClean="0"/>
-              <a:t>Constraint-based adjustment</a:t>
-            </a:r>
-          </a:p>
-        </p:txBody>
-      </p:sp>
-    </p:spTree>
-    <p:extLst>
-      <p:ext uri="{BB962C8B-B14F-4D97-AF65-F5344CB8AC3E}">
-        <p14:creationId xmlns="" xmlns:p14="http://schemas.microsoft.com/office/powerpoint/2010/main" val="1848409642"/>
-      </p:ext>
-    </p:extLst>
-  </p:cSld>
-  <p:clrMapOvr>
-    <a:masterClrMapping/>
-  </p:clrMapOvr>
-</p:sld>
-</file>
-
-<file path=ppt/slides/slide19.xml><?xml version="1.0" encoding="utf-8"?>
-<p:sld xmlns:a="http://schemas.openxmlformats.org/drawingml/2006/main" xmlns:r="http://schemas.openxmlformats.org/officeDocument/2006/relationships" xmlns:p="http://schemas.openxmlformats.org/presentationml/2006/main">
-  <p:cSld>
-    <p:spTree>
-      <p:nvGrpSpPr>
-        <p:cNvPr id="1" name=""/>
-        <p:cNvGrpSpPr/>
-        <p:nvPr/>
-      </p:nvGrpSpPr>
-      <p:grpSpPr>
-        <a:xfrm>
-          <a:off x="0" y="0"/>
-          <a:ext cx="0" cy="0"/>
-          <a:chOff x="0" y="0"/>
-          <a:chExt cx="0" cy="0"/>
-        </a:xfrm>
-      </p:grpSpPr>
-      <p:sp>
-        <p:nvSpPr>
-          <p:cNvPr id="2" name="Title 1"/>
-          <p:cNvSpPr>
-            <a:spLocks noGrp="1"/>
-          </p:cNvSpPr>
-          <p:nvPr>
-            <p:ph type="title"/>
-          </p:nvPr>
-        </p:nvSpPr>
-        <p:spPr>
-          <a:xfrm>
-            <a:off x="-2912" y="0"/>
-            <a:ext cx="9146912" cy="692696"/>
-          </a:xfrm>
-          <a:solidFill>
-            <a:schemeClr val="bg1">
-              <a:lumMod val="75000"/>
-            </a:schemeClr>
-          </a:solidFill>
-        </p:spPr>
-        <p:txBody>
-          <a:bodyPr>
-            <a:normAutofit fontScale="90000"/>
-          </a:bodyPr>
-          <a:lstStyle/>
-          <a:p>
-            <a:pPr algn="l"/>
-            <a:r>
-              <a:rPr lang="en-US" dirty="0" smtClean="0">
-                <a:solidFill>
-                  <a:schemeClr val="bg1"/>
-                </a:solidFill>
-              </a:rPr>
-              <a:t> create fitness function</a:t>
-            </a:r>
-            <a:endParaRPr lang="en-US" dirty="0">
-              <a:solidFill>
-                <a:schemeClr val="bg1"/>
-              </a:solidFill>
-            </a:endParaRPr>
-          </a:p>
-        </p:txBody>
-      </p:sp>
-      <p:pic>
-        <p:nvPicPr>
-          <p:cNvPr id="4098" name="Picture 2"/>
-          <p:cNvPicPr>
-            <a:picLocks noChangeAspect="1" noChangeArrowheads="1"/>
-          </p:cNvPicPr>
-          <p:nvPr/>
-        </p:nvPicPr>
-        <p:blipFill>
-          <a:blip r:embed="rId2" cstate="print"/>
-          <a:srcRect/>
-          <a:stretch>
-            <a:fillRect/>
-          </a:stretch>
-        </p:blipFill>
-        <p:spPr bwMode="auto">
-          <a:xfrm>
-            <a:off x="467544" y="1729730"/>
-            <a:ext cx="8280920" cy="2779390"/>
-          </a:xfrm>
-          <a:prstGeom prst="rect">
-            <a:avLst/>
-          </a:prstGeom>
-          <a:noFill/>
-          <a:ln w="9525">
-            <a:noFill/>
-            <a:miter lim="800000"/>
-            <a:headEnd/>
-            <a:tailEnd/>
-          </a:ln>
-        </p:spPr>
-      </p:pic>
-      <p:sp>
-        <p:nvSpPr>
-          <p:cNvPr id="4" name="Content Placeholder 2"/>
-          <p:cNvSpPr>
-            <a:spLocks noGrp="1"/>
-          </p:cNvSpPr>
-          <p:nvPr>
-            <p:ph idx="1"/>
-          </p:nvPr>
-        </p:nvSpPr>
-        <p:spPr>
-          <a:xfrm>
-            <a:off x="374848" y="1052736"/>
-            <a:ext cx="8229600" cy="676994"/>
-          </a:xfrm>
-        </p:spPr>
-        <p:txBody>
-          <a:bodyPr/>
-          <a:lstStyle/>
-          <a:p>
-            <a:pPr marL="0" indent="0">
-              <a:buNone/>
-            </a:pPr>
-            <a:r>
-              <a:rPr lang="en-US" dirty="0" smtClean="0"/>
-              <a:t>Insert instrument code into program under test</a:t>
-            </a:r>
-          </a:p>
-        </p:txBody>
-      </p:sp>
-    </p:spTree>
-    <p:extLst>
-      <p:ext uri="{BB962C8B-B14F-4D97-AF65-F5344CB8AC3E}">
-        <p14:creationId xmlns="" xmlns:p14="http://schemas.microsoft.com/office/powerpoint/2010/main" val="1848409642"/>
-      </p:ext>
-    </p:extLst>
-  </p:cSld>
-  <p:clrMapOvr>
-    <a:masterClrMapping/>
-  </p:clrMapOvr>
 </p:sld>
 </file>
 
@@ -4978,7 +3510,15 @@
                   <a:schemeClr val="bg1"/>
                 </a:solidFill>
               </a:rPr>
-              <a:t> outline</a:t>
+              <a:t> </a:t>
+            </a:r>
+            <a:r>
+              <a:rPr lang="en-US" dirty="0">
+                <a:solidFill>
+                  <a:schemeClr val="bg1"/>
+                </a:solidFill>
+              </a:rPr>
+              <a:t>Proposed approach</a:t>
             </a:r>
             <a:endParaRPr lang="en-US" dirty="0">
               <a:solidFill>
@@ -5067,7 +3607,7 @@
     </p:spTree>
     <p:extLst>
       <p:ext uri="{BB962C8B-B14F-4D97-AF65-F5344CB8AC3E}">
-        <p14:creationId xmlns="" xmlns:p14="http://schemas.microsoft.com/office/powerpoint/2010/main" val="2279565587"/>
+        <p14:creationId xmlns:p14="http://schemas.microsoft.com/office/powerpoint/2010/main" val="2279565587"/>
       </p:ext>
     </p:extLst>
   </p:cSld>
@@ -5081,1600 +3621,6 @@
       </p:par>
     </p:tnLst>
   </p:timing>
-</p:sld>
-</file>
-
-<file path=ppt/slides/slide20.xml><?xml version="1.0" encoding="utf-8"?>
-<p:sld xmlns:a="http://schemas.openxmlformats.org/drawingml/2006/main" xmlns:r="http://schemas.openxmlformats.org/officeDocument/2006/relationships" xmlns:p="http://schemas.openxmlformats.org/presentationml/2006/main">
-  <p:cSld>
-    <p:spTree>
-      <p:nvGrpSpPr>
-        <p:cNvPr id="1" name=""/>
-        <p:cNvGrpSpPr/>
-        <p:nvPr/>
-      </p:nvGrpSpPr>
-      <p:grpSpPr>
-        <a:xfrm>
-          <a:off x="0" y="0"/>
-          <a:ext cx="0" cy="0"/>
-          <a:chOff x="0" y="0"/>
-          <a:chExt cx="0" cy="0"/>
-        </a:xfrm>
-      </p:grpSpPr>
-      <p:sp>
-        <p:nvSpPr>
-          <p:cNvPr id="2" name="Title 1"/>
-          <p:cNvSpPr>
-            <a:spLocks noGrp="1"/>
-          </p:cNvSpPr>
-          <p:nvPr>
-            <p:ph type="title"/>
-          </p:nvPr>
-        </p:nvSpPr>
-        <p:spPr>
-          <a:xfrm>
-            <a:off x="-2912" y="0"/>
-            <a:ext cx="9146912" cy="692696"/>
-          </a:xfrm>
-          <a:solidFill>
-            <a:schemeClr val="bg1">
-              <a:lumMod val="75000"/>
-            </a:schemeClr>
-          </a:solidFill>
-        </p:spPr>
-        <p:txBody>
-          <a:bodyPr>
-            <a:normAutofit fontScale="90000"/>
-          </a:bodyPr>
-          <a:lstStyle/>
-          <a:p>
-            <a:pPr algn="l"/>
-            <a:r>
-              <a:rPr lang="en-US" dirty="0" smtClean="0">
-                <a:solidFill>
-                  <a:schemeClr val="bg1"/>
-                </a:solidFill>
-              </a:rPr>
-              <a:t> constraint-based adjustment</a:t>
-            </a:r>
-            <a:endParaRPr lang="en-US" dirty="0">
-              <a:solidFill>
-                <a:schemeClr val="bg1"/>
-              </a:solidFill>
-            </a:endParaRPr>
-          </a:p>
-        </p:txBody>
-      </p:sp>
-      <p:pic>
-        <p:nvPicPr>
-          <p:cNvPr id="5122" name="Picture 2"/>
-          <p:cNvPicPr>
-            <a:picLocks noChangeAspect="1" noChangeArrowheads="1"/>
-          </p:cNvPicPr>
-          <p:nvPr/>
-        </p:nvPicPr>
-        <p:blipFill>
-          <a:blip r:embed="rId2" cstate="print"/>
-          <a:srcRect/>
-          <a:stretch>
-            <a:fillRect/>
-          </a:stretch>
-        </p:blipFill>
-        <p:spPr bwMode="auto">
-          <a:xfrm>
-            <a:off x="611560" y="1052736"/>
-            <a:ext cx="7848872" cy="4824536"/>
-          </a:xfrm>
-          <a:prstGeom prst="rect">
-            <a:avLst/>
-          </a:prstGeom>
-          <a:noFill/>
-          <a:ln w="9525">
-            <a:noFill/>
-            <a:miter lim="800000"/>
-            <a:headEnd/>
-            <a:tailEnd/>
-          </a:ln>
-        </p:spPr>
-      </p:pic>
-    </p:spTree>
-    <p:extLst>
-      <p:ext uri="{BB962C8B-B14F-4D97-AF65-F5344CB8AC3E}">
-        <p14:creationId xmlns="" xmlns:p14="http://schemas.microsoft.com/office/powerpoint/2010/main" val="1848409642"/>
-      </p:ext>
-    </p:extLst>
-  </p:cSld>
-  <p:clrMapOvr>
-    <a:masterClrMapping/>
-  </p:clrMapOvr>
-</p:sld>
-</file>
-
-<file path=ppt/slides/slide21.xml><?xml version="1.0" encoding="utf-8"?>
-<p:sld xmlns:a="http://schemas.openxmlformats.org/drawingml/2006/main" xmlns:r="http://schemas.openxmlformats.org/officeDocument/2006/relationships" xmlns:p="http://schemas.openxmlformats.org/presentationml/2006/main">
-  <p:cSld>
-    <p:spTree>
-      <p:nvGrpSpPr>
-        <p:cNvPr id="1" name=""/>
-        <p:cNvGrpSpPr/>
-        <p:nvPr/>
-      </p:nvGrpSpPr>
-      <p:grpSpPr>
-        <a:xfrm>
-          <a:off x="0" y="0"/>
-          <a:ext cx="0" cy="0"/>
-          <a:chOff x="0" y="0"/>
-          <a:chExt cx="0" cy="0"/>
-        </a:xfrm>
-      </p:grpSpPr>
-      <p:sp>
-        <p:nvSpPr>
-          <p:cNvPr id="2" name="Title 1"/>
-          <p:cNvSpPr>
-            <a:spLocks noGrp="1"/>
-          </p:cNvSpPr>
-          <p:nvPr>
-            <p:ph type="title"/>
-          </p:nvPr>
-        </p:nvSpPr>
-        <p:spPr>
-          <a:xfrm>
-            <a:off x="-2912" y="0"/>
-            <a:ext cx="9146912" cy="692696"/>
-          </a:xfrm>
-          <a:solidFill>
-            <a:schemeClr val="bg1">
-              <a:lumMod val="75000"/>
-            </a:schemeClr>
-          </a:solidFill>
-        </p:spPr>
-        <p:txBody>
-          <a:bodyPr>
-            <a:normAutofit fontScale="90000"/>
-          </a:bodyPr>
-          <a:lstStyle/>
-          <a:p>
-            <a:pPr algn="l"/>
-            <a:r>
-              <a:rPr lang="en-US" dirty="0" smtClean="0">
-                <a:solidFill>
-                  <a:schemeClr val="bg1"/>
-                </a:solidFill>
-              </a:rPr>
-              <a:t> outline</a:t>
-            </a:r>
-            <a:endParaRPr lang="en-US" dirty="0">
-              <a:solidFill>
-                <a:schemeClr val="bg1"/>
-              </a:solidFill>
-            </a:endParaRPr>
-          </a:p>
-        </p:txBody>
-      </p:sp>
-      <p:sp>
-        <p:nvSpPr>
-          <p:cNvPr id="3" name="Content Placeholder 2"/>
-          <p:cNvSpPr>
-            <a:spLocks noGrp="1"/>
-          </p:cNvSpPr>
-          <p:nvPr>
-            <p:ph idx="1"/>
-          </p:nvPr>
-        </p:nvSpPr>
-        <p:spPr>
-          <a:xfrm>
-            <a:off x="457200" y="1052736"/>
-            <a:ext cx="8229600" cy="4205064"/>
-          </a:xfrm>
-        </p:spPr>
-        <p:txBody>
-          <a:bodyPr/>
-          <a:lstStyle/>
-          <a:p>
-            <a:pPr marL="0" indent="0">
-              <a:buNone/>
-            </a:pPr>
-            <a:r>
-              <a:rPr lang="en-US" dirty="0" smtClean="0"/>
-              <a:t>1. Introduction</a:t>
-            </a:r>
-          </a:p>
-          <a:p>
-            <a:pPr marL="0" indent="0">
-              <a:buNone/>
-            </a:pPr>
-            <a:r>
-              <a:rPr lang="en-US" dirty="0" smtClean="0"/>
-              <a:t>2. Background</a:t>
-            </a:r>
-          </a:p>
-          <a:p>
-            <a:pPr marL="0" indent="0">
-              <a:buNone/>
-            </a:pPr>
-            <a:r>
-              <a:rPr lang="en-US" dirty="0" smtClean="0"/>
-              <a:t>3. Related work</a:t>
-            </a:r>
-          </a:p>
-          <a:p>
-            <a:pPr marL="0" indent="0">
-              <a:buNone/>
-            </a:pPr>
-            <a:r>
-              <a:rPr lang="en-US" dirty="0" smtClean="0"/>
-              <a:t>4. Proposed approach</a:t>
-            </a:r>
-          </a:p>
-          <a:p>
-            <a:pPr marL="0" indent="0">
-              <a:buNone/>
-            </a:pPr>
-            <a:r>
-              <a:rPr lang="en-US" b="1" dirty="0" smtClean="0"/>
-              <a:t>5. Experimental result</a:t>
-            </a:r>
-          </a:p>
-          <a:p>
-            <a:pPr marL="0" indent="0">
-              <a:buNone/>
-            </a:pPr>
-            <a:r>
-              <a:rPr lang="en-US" dirty="0" smtClean="0"/>
-              <a:t>6. Conclusion</a:t>
-            </a:r>
-            <a:endParaRPr lang="en-US" dirty="0"/>
-          </a:p>
-        </p:txBody>
-      </p:sp>
-    </p:spTree>
-    <p:extLst>
-      <p:ext uri="{BB962C8B-B14F-4D97-AF65-F5344CB8AC3E}">
-        <p14:creationId xmlns="" xmlns:p14="http://schemas.microsoft.com/office/powerpoint/2010/main" val="3185099068"/>
-      </p:ext>
-    </p:extLst>
-  </p:cSld>
-  <p:clrMapOvr>
-    <a:masterClrMapping/>
-  </p:clrMapOvr>
-</p:sld>
-</file>
-
-<file path=ppt/slides/slide22.xml><?xml version="1.0" encoding="utf-8"?>
-<p:sld xmlns:a="http://schemas.openxmlformats.org/drawingml/2006/main" xmlns:r="http://schemas.openxmlformats.org/officeDocument/2006/relationships" xmlns:p="http://schemas.openxmlformats.org/presentationml/2006/main">
-  <p:cSld>
-    <p:spTree>
-      <p:nvGrpSpPr>
-        <p:cNvPr id="1" name=""/>
-        <p:cNvGrpSpPr/>
-        <p:nvPr/>
-      </p:nvGrpSpPr>
-      <p:grpSpPr>
-        <a:xfrm>
-          <a:off x="0" y="0"/>
-          <a:ext cx="0" cy="0"/>
-          <a:chOff x="0" y="0"/>
-          <a:chExt cx="0" cy="0"/>
-        </a:xfrm>
-      </p:grpSpPr>
-      <p:sp>
-        <p:nvSpPr>
-          <p:cNvPr id="2" name="Title 1"/>
-          <p:cNvSpPr>
-            <a:spLocks noGrp="1"/>
-          </p:cNvSpPr>
-          <p:nvPr>
-            <p:ph type="title"/>
-          </p:nvPr>
-        </p:nvSpPr>
-        <p:spPr>
-          <a:xfrm>
-            <a:off x="-2912" y="0"/>
-            <a:ext cx="9146912" cy="692696"/>
-          </a:xfrm>
-          <a:solidFill>
-            <a:schemeClr val="bg1">
-              <a:lumMod val="75000"/>
-            </a:schemeClr>
-          </a:solidFill>
-        </p:spPr>
-        <p:txBody>
-          <a:bodyPr>
-            <a:normAutofit fontScale="90000"/>
-          </a:bodyPr>
-          <a:lstStyle/>
-          <a:p>
-            <a:pPr algn="l"/>
-            <a:r>
-              <a:rPr lang="en-US" dirty="0" smtClean="0">
-                <a:solidFill>
-                  <a:schemeClr val="bg1"/>
-                </a:solidFill>
-              </a:rPr>
-              <a:t> </a:t>
-            </a:r>
-            <a:r>
-              <a:rPr lang="en-US" dirty="0" err="1" smtClean="0">
-                <a:solidFill>
-                  <a:schemeClr val="bg1"/>
-                </a:solidFill>
-              </a:rPr>
-              <a:t>Tritype</a:t>
-            </a:r>
-            <a:r>
-              <a:rPr lang="en-US" dirty="0" smtClean="0">
-                <a:solidFill>
-                  <a:schemeClr val="bg1"/>
-                </a:solidFill>
-              </a:rPr>
-              <a:t> program under test</a:t>
-            </a:r>
-            <a:endParaRPr lang="en-US" dirty="0">
-              <a:solidFill>
-                <a:schemeClr val="bg1"/>
-              </a:solidFill>
-            </a:endParaRPr>
-          </a:p>
-        </p:txBody>
-      </p:sp>
-      <p:grpSp>
-        <p:nvGrpSpPr>
-          <p:cNvPr id="9" name="Group 8"/>
-          <p:cNvGrpSpPr/>
-          <p:nvPr/>
-        </p:nvGrpSpPr>
-        <p:grpSpPr>
-          <a:xfrm>
-            <a:off x="762000" y="1981200"/>
-            <a:ext cx="7162800" cy="4267200"/>
-            <a:chOff x="899592" y="1268760"/>
-            <a:chExt cx="6984776" cy="3888432"/>
-          </a:xfrm>
-        </p:grpSpPr>
-        <p:pic>
-          <p:nvPicPr>
-            <p:cNvPr id="6146" name="Picture 2"/>
-            <p:cNvPicPr>
-              <a:picLocks noChangeAspect="1" noChangeArrowheads="1"/>
-            </p:cNvPicPr>
-            <p:nvPr/>
-          </p:nvPicPr>
-          <p:blipFill>
-            <a:blip r:embed="rId2" cstate="print"/>
-            <a:srcRect/>
-            <a:stretch>
-              <a:fillRect/>
-            </a:stretch>
-          </p:blipFill>
-          <p:spPr bwMode="auto">
-            <a:xfrm>
-              <a:off x="899592" y="1268760"/>
-              <a:ext cx="6984776" cy="3888432"/>
-            </a:xfrm>
-            <a:prstGeom prst="rect">
-              <a:avLst/>
-            </a:prstGeom>
-            <a:noFill/>
-            <a:ln w="9525">
-              <a:noFill/>
-              <a:miter lim="800000"/>
-              <a:headEnd/>
-              <a:tailEnd/>
-            </a:ln>
-          </p:spPr>
-        </p:pic>
-        <p:sp>
-          <p:nvSpPr>
-            <p:cNvPr id="5" name="TextBox 4"/>
-            <p:cNvSpPr txBox="1"/>
-            <p:nvPr/>
-          </p:nvSpPr>
-          <p:spPr>
-            <a:xfrm>
-              <a:off x="5715000" y="1524000"/>
-              <a:ext cx="2133600" cy="369332"/>
-            </a:xfrm>
-            <a:prstGeom prst="rect">
-              <a:avLst/>
-            </a:prstGeom>
-            <a:noFill/>
-            <a:ln w="19050">
-              <a:solidFill>
-                <a:schemeClr val="accent1"/>
-              </a:solidFill>
-            </a:ln>
-          </p:spPr>
-          <p:txBody>
-            <a:bodyPr wrap="square" rtlCol="0">
-              <a:spAutoFit/>
-            </a:bodyPr>
-            <a:lstStyle/>
-            <a:p>
-              <a:pPr algn="ctr"/>
-              <a:r>
-                <a:rPr lang="en-US" dirty="0" smtClean="0"/>
-                <a:t>Z3 constraint solver</a:t>
-              </a:r>
-              <a:endParaRPr lang="en-US" dirty="0"/>
-            </a:p>
-          </p:txBody>
-        </p:sp>
-        <p:cxnSp>
-          <p:nvCxnSpPr>
-            <p:cNvPr id="7" name="Straight Arrow Connector 6"/>
-            <p:cNvCxnSpPr>
-              <a:stCxn id="5" idx="1"/>
-            </p:cNvCxnSpPr>
-            <p:nvPr/>
-          </p:nvCxnSpPr>
-          <p:spPr>
-            <a:xfrm rot="10800000" flipV="1">
-              <a:off x="4267200" y="1708666"/>
-              <a:ext cx="1447800" cy="120134"/>
-            </a:xfrm>
-            <a:prstGeom prst="straightConnector1">
-              <a:avLst/>
-            </a:prstGeom>
-            <a:ln w="25400">
-              <a:tailEnd type="triangle"/>
-            </a:ln>
-          </p:spPr>
-          <p:style>
-            <a:lnRef idx="1">
-              <a:schemeClr val="accent1"/>
-            </a:lnRef>
-            <a:fillRef idx="0">
-              <a:schemeClr val="accent1"/>
-            </a:fillRef>
-            <a:effectRef idx="0">
-              <a:schemeClr val="accent1"/>
-            </a:effectRef>
-            <a:fontRef idx="minor">
-              <a:schemeClr val="tx1"/>
-            </a:fontRef>
-          </p:style>
-        </p:cxnSp>
-      </p:grpSp>
-      <p:sp>
-        <p:nvSpPr>
-          <p:cNvPr id="10" name="Content Placeholder 2"/>
-          <p:cNvSpPr>
-            <a:spLocks noGrp="1"/>
-          </p:cNvSpPr>
-          <p:nvPr>
-            <p:ph idx="1"/>
-          </p:nvPr>
-        </p:nvSpPr>
-        <p:spPr>
-          <a:xfrm>
-            <a:off x="457200" y="900336"/>
-            <a:ext cx="8229600" cy="1080864"/>
-          </a:xfrm>
-        </p:spPr>
-        <p:txBody>
-          <a:bodyPr>
-            <a:normAutofit/>
-          </a:bodyPr>
-          <a:lstStyle/>
-          <a:p>
-            <a:pPr marL="0" indent="0">
-              <a:buNone/>
-            </a:pPr>
-            <a:r>
-              <a:rPr lang="en-US" sz="2800" dirty="0" smtClean="0"/>
-              <a:t>Determine if 3 input variables (an angle and two sides) show an equilateral, isosceles, scalene triangle or not.</a:t>
-            </a:r>
-          </a:p>
-        </p:txBody>
-      </p:sp>
-    </p:spTree>
-    <p:extLst>
-      <p:ext uri="{BB962C8B-B14F-4D97-AF65-F5344CB8AC3E}">
-        <p14:creationId xmlns="" xmlns:p14="http://schemas.microsoft.com/office/powerpoint/2010/main" val="3185099068"/>
-      </p:ext>
-    </p:extLst>
-  </p:cSld>
-  <p:clrMapOvr>
-    <a:masterClrMapping/>
-  </p:clrMapOvr>
-</p:sld>
-</file>
-
-<file path=ppt/slides/slide23.xml><?xml version="1.0" encoding="utf-8"?>
-<p:sld xmlns:a="http://schemas.openxmlformats.org/drawingml/2006/main" xmlns:r="http://schemas.openxmlformats.org/officeDocument/2006/relationships" xmlns:p="http://schemas.openxmlformats.org/presentationml/2006/main">
-  <p:cSld>
-    <p:spTree>
-      <p:nvGrpSpPr>
-        <p:cNvPr id="1" name=""/>
-        <p:cNvGrpSpPr/>
-        <p:nvPr/>
-      </p:nvGrpSpPr>
-      <p:grpSpPr>
-        <a:xfrm>
-          <a:off x="0" y="0"/>
-          <a:ext cx="0" cy="0"/>
-          <a:chOff x="0" y="0"/>
-          <a:chExt cx="0" cy="0"/>
-        </a:xfrm>
-      </p:grpSpPr>
-      <p:sp>
-        <p:nvSpPr>
-          <p:cNvPr id="2" name="Title 1"/>
-          <p:cNvSpPr>
-            <a:spLocks noGrp="1"/>
-          </p:cNvSpPr>
-          <p:nvPr>
-            <p:ph type="title"/>
-          </p:nvPr>
-        </p:nvSpPr>
-        <p:spPr>
-          <a:xfrm>
-            <a:off x="-2912" y="0"/>
-            <a:ext cx="9146912" cy="692696"/>
-          </a:xfrm>
-          <a:solidFill>
-            <a:schemeClr val="bg1">
-              <a:lumMod val="75000"/>
-            </a:schemeClr>
-          </a:solidFill>
-        </p:spPr>
-        <p:txBody>
-          <a:bodyPr>
-            <a:normAutofit fontScale="90000"/>
-          </a:bodyPr>
-          <a:lstStyle/>
-          <a:p>
-            <a:pPr algn="l"/>
-            <a:r>
-              <a:rPr lang="en-US" dirty="0" smtClean="0">
-                <a:solidFill>
-                  <a:schemeClr val="bg1"/>
-                </a:solidFill>
-              </a:rPr>
-              <a:t> </a:t>
-            </a:r>
-            <a:r>
-              <a:rPr lang="en-US" dirty="0" err="1" smtClean="0">
-                <a:solidFill>
-                  <a:schemeClr val="bg1"/>
-                </a:solidFill>
-              </a:rPr>
-              <a:t>QuadEq2</a:t>
-            </a:r>
-            <a:r>
-              <a:rPr lang="en-US" dirty="0" smtClean="0">
-                <a:solidFill>
-                  <a:schemeClr val="bg1"/>
-                </a:solidFill>
-              </a:rPr>
-              <a:t> program under test</a:t>
-            </a:r>
-            <a:endParaRPr lang="en-US" dirty="0">
-              <a:solidFill>
-                <a:schemeClr val="bg1"/>
-              </a:solidFill>
-            </a:endParaRPr>
-          </a:p>
-        </p:txBody>
-      </p:sp>
-      <p:grpSp>
-        <p:nvGrpSpPr>
-          <p:cNvPr id="11" name="Group 10"/>
-          <p:cNvGrpSpPr/>
-          <p:nvPr/>
-        </p:nvGrpSpPr>
-        <p:grpSpPr>
-          <a:xfrm>
-            <a:off x="895350" y="1981200"/>
-            <a:ext cx="7105650" cy="4543425"/>
-            <a:chOff x="899592" y="1124744"/>
-            <a:chExt cx="7105650" cy="4772025"/>
-          </a:xfrm>
-        </p:grpSpPr>
-        <p:pic>
-          <p:nvPicPr>
-            <p:cNvPr id="7170" name="Picture 2"/>
-            <p:cNvPicPr>
-              <a:picLocks noChangeAspect="1" noChangeArrowheads="1"/>
-            </p:cNvPicPr>
-            <p:nvPr/>
-          </p:nvPicPr>
-          <p:blipFill>
-            <a:blip r:embed="rId2" cstate="print"/>
-            <a:srcRect/>
-            <a:stretch>
-              <a:fillRect/>
-            </a:stretch>
-          </p:blipFill>
-          <p:spPr bwMode="auto">
-            <a:xfrm>
-              <a:off x="899592" y="1124744"/>
-              <a:ext cx="7105650" cy="4772025"/>
-            </a:xfrm>
-            <a:prstGeom prst="rect">
-              <a:avLst/>
-            </a:prstGeom>
-            <a:noFill/>
-            <a:ln w="9525">
-              <a:noFill/>
-              <a:miter lim="800000"/>
-              <a:headEnd/>
-              <a:tailEnd/>
-            </a:ln>
-          </p:spPr>
-        </p:pic>
-        <p:sp>
-          <p:nvSpPr>
-            <p:cNvPr id="4" name="TextBox 3"/>
-            <p:cNvSpPr txBox="1"/>
-            <p:nvPr/>
-          </p:nvSpPr>
-          <p:spPr>
-            <a:xfrm>
-              <a:off x="5181600" y="2286000"/>
-              <a:ext cx="2133600" cy="369332"/>
-            </a:xfrm>
-            <a:prstGeom prst="rect">
-              <a:avLst/>
-            </a:prstGeom>
-            <a:noFill/>
-            <a:ln w="19050">
-              <a:solidFill>
-                <a:schemeClr val="accent1"/>
-              </a:solidFill>
-            </a:ln>
-          </p:spPr>
-          <p:txBody>
-            <a:bodyPr wrap="square" rtlCol="0">
-              <a:spAutoFit/>
-            </a:bodyPr>
-            <a:lstStyle/>
-            <a:p>
-              <a:pPr algn="ctr"/>
-              <a:r>
-                <a:rPr lang="en-US" dirty="0" smtClean="0"/>
-                <a:t>Z3 constraint solver</a:t>
-              </a:r>
-              <a:endParaRPr lang="en-US" dirty="0"/>
-            </a:p>
-          </p:txBody>
-        </p:sp>
-        <p:cxnSp>
-          <p:nvCxnSpPr>
-            <p:cNvPr id="5" name="Straight Arrow Connector 4"/>
-            <p:cNvCxnSpPr>
-              <a:stCxn id="4" idx="1"/>
-            </p:cNvCxnSpPr>
-            <p:nvPr/>
-          </p:nvCxnSpPr>
-          <p:spPr>
-            <a:xfrm rot="10800000">
-              <a:off x="2971800" y="1905000"/>
-              <a:ext cx="2209800" cy="565666"/>
-            </a:xfrm>
-            <a:prstGeom prst="straightConnector1">
-              <a:avLst/>
-            </a:prstGeom>
-            <a:ln w="25400">
-              <a:tailEnd type="triangle"/>
-            </a:ln>
-          </p:spPr>
-          <p:style>
-            <a:lnRef idx="1">
-              <a:schemeClr val="accent1"/>
-            </a:lnRef>
-            <a:fillRef idx="0">
-              <a:schemeClr val="accent1"/>
-            </a:fillRef>
-            <a:effectRef idx="0">
-              <a:schemeClr val="accent1"/>
-            </a:effectRef>
-            <a:fontRef idx="minor">
-              <a:schemeClr val="tx1"/>
-            </a:fontRef>
-          </p:style>
-        </p:cxnSp>
-        <p:cxnSp>
-          <p:nvCxnSpPr>
-            <p:cNvPr id="7" name="Straight Arrow Connector 6"/>
-            <p:cNvCxnSpPr>
-              <a:stCxn id="4" idx="2"/>
-            </p:cNvCxnSpPr>
-            <p:nvPr/>
-          </p:nvCxnSpPr>
-          <p:spPr>
-            <a:xfrm rot="5400000">
-              <a:off x="5023366" y="2737366"/>
-              <a:ext cx="1307068" cy="1143000"/>
-            </a:xfrm>
-            <a:prstGeom prst="straightConnector1">
-              <a:avLst/>
-            </a:prstGeom>
-            <a:ln w="25400">
-              <a:tailEnd type="triangle"/>
-            </a:ln>
-          </p:spPr>
-          <p:style>
-            <a:lnRef idx="1">
-              <a:schemeClr val="accent1"/>
-            </a:lnRef>
-            <a:fillRef idx="0">
-              <a:schemeClr val="accent1"/>
-            </a:fillRef>
-            <a:effectRef idx="0">
-              <a:schemeClr val="accent1"/>
-            </a:effectRef>
-            <a:fontRef idx="minor">
-              <a:schemeClr val="tx1"/>
-            </a:fontRef>
-          </p:style>
-        </p:cxnSp>
-      </p:grpSp>
-      <p:sp>
-        <p:nvSpPr>
-          <p:cNvPr id="12" name="Content Placeholder 2"/>
-          <p:cNvSpPr>
-            <a:spLocks noGrp="1"/>
-          </p:cNvSpPr>
-          <p:nvPr>
-            <p:ph idx="1"/>
-          </p:nvPr>
-        </p:nvSpPr>
-        <p:spPr>
-          <a:xfrm>
-            <a:off x="457200" y="824136"/>
-            <a:ext cx="8229600" cy="1080864"/>
-          </a:xfrm>
-        </p:spPr>
-        <p:txBody>
-          <a:bodyPr>
-            <a:normAutofit/>
-          </a:bodyPr>
-          <a:lstStyle/>
-          <a:p>
-            <a:pPr>
-              <a:buNone/>
-            </a:pPr>
-            <a:r>
-              <a:rPr lang="en-US" sz="2800" dirty="0" smtClean="0"/>
-              <a:t>Find all roots of a quadratic equation with 3 coefficients</a:t>
-            </a:r>
-          </a:p>
-          <a:p>
-            <a:pPr>
-              <a:buNone/>
-            </a:pPr>
-            <a:r>
-              <a:rPr lang="en-US" sz="2800" dirty="0" smtClean="0"/>
-              <a:t>a, b and c being the input variables.</a:t>
-            </a:r>
-            <a:endParaRPr lang="en-US" sz="2800" dirty="0"/>
-          </a:p>
-        </p:txBody>
-      </p:sp>
-    </p:spTree>
-    <p:extLst>
-      <p:ext uri="{BB962C8B-B14F-4D97-AF65-F5344CB8AC3E}">
-        <p14:creationId xmlns="" xmlns:p14="http://schemas.microsoft.com/office/powerpoint/2010/main" val="3185099068"/>
-      </p:ext>
-    </p:extLst>
-  </p:cSld>
-  <p:clrMapOvr>
-    <a:masterClrMapping/>
-  </p:clrMapOvr>
-</p:sld>
-</file>
-
-<file path=ppt/slides/slide24.xml><?xml version="1.0" encoding="utf-8"?>
-<p:sld xmlns:a="http://schemas.openxmlformats.org/drawingml/2006/main" xmlns:r="http://schemas.openxmlformats.org/officeDocument/2006/relationships" xmlns:p="http://schemas.openxmlformats.org/presentationml/2006/main">
-  <p:cSld>
-    <p:spTree>
-      <p:nvGrpSpPr>
-        <p:cNvPr id="1" name=""/>
-        <p:cNvGrpSpPr/>
-        <p:nvPr/>
-      </p:nvGrpSpPr>
-      <p:grpSpPr>
-        <a:xfrm>
-          <a:off x="0" y="0"/>
-          <a:ext cx="0" cy="0"/>
-          <a:chOff x="0" y="0"/>
-          <a:chExt cx="0" cy="0"/>
-        </a:xfrm>
-      </p:grpSpPr>
-      <p:sp>
-        <p:nvSpPr>
-          <p:cNvPr id="2" name="Title 1"/>
-          <p:cNvSpPr>
-            <a:spLocks noGrp="1"/>
-          </p:cNvSpPr>
-          <p:nvPr>
-            <p:ph type="title"/>
-          </p:nvPr>
-        </p:nvSpPr>
-        <p:spPr>
-          <a:xfrm>
-            <a:off x="-2912" y="0"/>
-            <a:ext cx="9146912" cy="692696"/>
-          </a:xfrm>
-          <a:solidFill>
-            <a:schemeClr val="bg1">
-              <a:lumMod val="75000"/>
-            </a:schemeClr>
-          </a:solidFill>
-        </p:spPr>
-        <p:txBody>
-          <a:bodyPr>
-            <a:normAutofit fontScale="90000"/>
-          </a:bodyPr>
-          <a:lstStyle/>
-          <a:p>
-            <a:pPr algn="l"/>
-            <a:r>
-              <a:rPr lang="en-US" dirty="0" smtClean="0">
-                <a:solidFill>
-                  <a:schemeClr val="bg1"/>
-                </a:solidFill>
-              </a:rPr>
-              <a:t> test path coverage</a:t>
-            </a:r>
-            <a:endParaRPr lang="en-US" dirty="0">
-              <a:solidFill>
-                <a:schemeClr val="bg1"/>
-              </a:solidFill>
-            </a:endParaRPr>
-          </a:p>
-        </p:txBody>
-      </p:sp>
-      <p:pic>
-        <p:nvPicPr>
-          <p:cNvPr id="8194" name="Picture 2"/>
-          <p:cNvPicPr>
-            <a:picLocks noChangeAspect="1" noChangeArrowheads="1"/>
-          </p:cNvPicPr>
-          <p:nvPr/>
-        </p:nvPicPr>
-        <p:blipFill>
-          <a:blip r:embed="rId2" cstate="print"/>
-          <a:srcRect/>
-          <a:stretch>
-            <a:fillRect/>
-          </a:stretch>
-        </p:blipFill>
-        <p:spPr bwMode="auto">
-          <a:xfrm>
-            <a:off x="683568" y="1196752"/>
-            <a:ext cx="7632848" cy="1728192"/>
-          </a:xfrm>
-          <a:prstGeom prst="rect">
-            <a:avLst/>
-          </a:prstGeom>
-          <a:noFill/>
-          <a:ln w="9525">
-            <a:noFill/>
-            <a:miter lim="800000"/>
-            <a:headEnd/>
-            <a:tailEnd/>
-          </a:ln>
-        </p:spPr>
-      </p:pic>
-      <p:pic>
-        <p:nvPicPr>
-          <p:cNvPr id="8197" name="Picture 5"/>
-          <p:cNvPicPr>
-            <a:picLocks noChangeAspect="1" noChangeArrowheads="1"/>
-          </p:cNvPicPr>
-          <p:nvPr/>
-        </p:nvPicPr>
-        <p:blipFill>
-          <a:blip r:embed="rId3" cstate="print"/>
-          <a:srcRect/>
-          <a:stretch>
-            <a:fillRect/>
-          </a:stretch>
-        </p:blipFill>
-        <p:spPr bwMode="auto">
-          <a:xfrm>
-            <a:off x="467544" y="3356992"/>
-            <a:ext cx="8496943" cy="2390775"/>
-          </a:xfrm>
-          <a:prstGeom prst="rect">
-            <a:avLst/>
-          </a:prstGeom>
-          <a:noFill/>
-          <a:ln w="9525">
-            <a:noFill/>
-            <a:miter lim="800000"/>
-            <a:headEnd/>
-            <a:tailEnd/>
-          </a:ln>
-        </p:spPr>
-      </p:pic>
-    </p:spTree>
-    <p:extLst>
-      <p:ext uri="{BB962C8B-B14F-4D97-AF65-F5344CB8AC3E}">
-        <p14:creationId xmlns="" xmlns:p14="http://schemas.microsoft.com/office/powerpoint/2010/main" val="3185099068"/>
-      </p:ext>
-    </p:extLst>
-  </p:cSld>
-  <p:clrMapOvr>
-    <a:masterClrMapping/>
-  </p:clrMapOvr>
-</p:sld>
-</file>
-
-<file path=ppt/slides/slide25.xml><?xml version="1.0" encoding="utf-8"?>
-<p:sld xmlns:a="http://schemas.openxmlformats.org/drawingml/2006/main" xmlns:r="http://schemas.openxmlformats.org/officeDocument/2006/relationships" xmlns:p="http://schemas.openxmlformats.org/presentationml/2006/main">
-  <p:cSld>
-    <p:spTree>
-      <p:nvGrpSpPr>
-        <p:cNvPr id="1" name=""/>
-        <p:cNvGrpSpPr/>
-        <p:nvPr/>
-      </p:nvGrpSpPr>
-      <p:grpSpPr>
-        <a:xfrm>
-          <a:off x="0" y="0"/>
-          <a:ext cx="0" cy="0"/>
-          <a:chOff x="0" y="0"/>
-          <a:chExt cx="0" cy="0"/>
-        </a:xfrm>
-      </p:grpSpPr>
-      <p:sp>
-        <p:nvSpPr>
-          <p:cNvPr id="2" name="Title 1"/>
-          <p:cNvSpPr>
-            <a:spLocks noGrp="1"/>
-          </p:cNvSpPr>
-          <p:nvPr>
-            <p:ph type="title"/>
-          </p:nvPr>
-        </p:nvSpPr>
-        <p:spPr>
-          <a:xfrm>
-            <a:off x="-2912" y="0"/>
-            <a:ext cx="9146912" cy="692696"/>
-          </a:xfrm>
-          <a:solidFill>
-            <a:schemeClr val="bg1">
-              <a:lumMod val="75000"/>
-            </a:schemeClr>
-          </a:solidFill>
-        </p:spPr>
-        <p:txBody>
-          <a:bodyPr>
-            <a:normAutofit fontScale="90000"/>
-          </a:bodyPr>
-          <a:lstStyle/>
-          <a:p>
-            <a:pPr algn="l"/>
-            <a:r>
-              <a:rPr lang="en-US" dirty="0" smtClean="0">
-                <a:solidFill>
-                  <a:schemeClr val="bg1"/>
-                </a:solidFill>
-              </a:rPr>
-              <a:t> test data generation counts</a:t>
-            </a:r>
-            <a:endParaRPr lang="en-US" dirty="0">
-              <a:solidFill>
-                <a:schemeClr val="bg1"/>
-              </a:solidFill>
-            </a:endParaRPr>
-          </a:p>
-        </p:txBody>
-      </p:sp>
-      <p:pic>
-        <p:nvPicPr>
-          <p:cNvPr id="9218" name="Picture 2"/>
-          <p:cNvPicPr>
-            <a:picLocks noChangeAspect="1" noChangeArrowheads="1"/>
-          </p:cNvPicPr>
-          <p:nvPr/>
-        </p:nvPicPr>
-        <p:blipFill>
-          <a:blip r:embed="rId2" cstate="print"/>
-          <a:srcRect/>
-          <a:stretch>
-            <a:fillRect/>
-          </a:stretch>
-        </p:blipFill>
-        <p:spPr bwMode="auto">
-          <a:xfrm>
-            <a:off x="683568" y="1340768"/>
-            <a:ext cx="7776864" cy="1944216"/>
-          </a:xfrm>
-          <a:prstGeom prst="rect">
-            <a:avLst/>
-          </a:prstGeom>
-          <a:noFill/>
-          <a:ln w="9525">
-            <a:noFill/>
-            <a:miter lim="800000"/>
-            <a:headEnd/>
-            <a:tailEnd/>
-          </a:ln>
-        </p:spPr>
-      </p:pic>
-    </p:spTree>
-    <p:extLst>
-      <p:ext uri="{BB962C8B-B14F-4D97-AF65-F5344CB8AC3E}">
-        <p14:creationId xmlns="" xmlns:p14="http://schemas.microsoft.com/office/powerpoint/2010/main" val="3185099068"/>
-      </p:ext>
-    </p:extLst>
-  </p:cSld>
-  <p:clrMapOvr>
-    <a:masterClrMapping/>
-  </p:clrMapOvr>
-</p:sld>
-</file>
-
-<file path=ppt/slides/slide26.xml><?xml version="1.0" encoding="utf-8"?>
-<p:sld xmlns:a="http://schemas.openxmlformats.org/drawingml/2006/main" xmlns:r="http://schemas.openxmlformats.org/officeDocument/2006/relationships" xmlns:p="http://schemas.openxmlformats.org/presentationml/2006/main">
-  <p:cSld>
-    <p:spTree>
-      <p:nvGrpSpPr>
-        <p:cNvPr id="1" name=""/>
-        <p:cNvGrpSpPr/>
-        <p:nvPr/>
-      </p:nvGrpSpPr>
-      <p:grpSpPr>
-        <a:xfrm>
-          <a:off x="0" y="0"/>
-          <a:ext cx="0" cy="0"/>
-          <a:chOff x="0" y="0"/>
-          <a:chExt cx="0" cy="0"/>
-        </a:xfrm>
-      </p:grpSpPr>
-      <p:sp>
-        <p:nvSpPr>
-          <p:cNvPr id="2" name="Title 1"/>
-          <p:cNvSpPr>
-            <a:spLocks noGrp="1"/>
-          </p:cNvSpPr>
-          <p:nvPr>
-            <p:ph type="title"/>
-          </p:nvPr>
-        </p:nvSpPr>
-        <p:spPr>
-          <a:xfrm>
-            <a:off x="-2912" y="0"/>
-            <a:ext cx="9146912" cy="692696"/>
-          </a:xfrm>
-          <a:solidFill>
-            <a:schemeClr val="bg1">
-              <a:lumMod val="75000"/>
-            </a:schemeClr>
-          </a:solidFill>
-        </p:spPr>
-        <p:txBody>
-          <a:bodyPr>
-            <a:normAutofit fontScale="90000"/>
-          </a:bodyPr>
-          <a:lstStyle/>
-          <a:p>
-            <a:pPr algn="l"/>
-            <a:r>
-              <a:rPr lang="en-US" dirty="0" smtClean="0">
-                <a:solidFill>
-                  <a:schemeClr val="bg1"/>
-                </a:solidFill>
-              </a:rPr>
-              <a:t> outline</a:t>
-            </a:r>
-            <a:endParaRPr lang="en-US" dirty="0">
-              <a:solidFill>
-                <a:schemeClr val="bg1"/>
-              </a:solidFill>
-            </a:endParaRPr>
-          </a:p>
-        </p:txBody>
-      </p:sp>
-      <p:sp>
-        <p:nvSpPr>
-          <p:cNvPr id="3" name="Content Placeholder 2"/>
-          <p:cNvSpPr>
-            <a:spLocks noGrp="1"/>
-          </p:cNvSpPr>
-          <p:nvPr>
-            <p:ph idx="1"/>
-          </p:nvPr>
-        </p:nvSpPr>
-        <p:spPr>
-          <a:xfrm>
-            <a:off x="457200" y="1052736"/>
-            <a:ext cx="8229600" cy="4205064"/>
-          </a:xfrm>
-        </p:spPr>
-        <p:txBody>
-          <a:bodyPr/>
-          <a:lstStyle/>
-          <a:p>
-            <a:pPr marL="0" indent="0">
-              <a:buNone/>
-            </a:pPr>
-            <a:r>
-              <a:rPr lang="en-US" dirty="0" smtClean="0"/>
-              <a:t>1. Introduction</a:t>
-            </a:r>
-          </a:p>
-          <a:p>
-            <a:pPr marL="0" indent="0">
-              <a:buNone/>
-            </a:pPr>
-            <a:r>
-              <a:rPr lang="en-US" dirty="0" smtClean="0"/>
-              <a:t>2. Background</a:t>
-            </a:r>
-          </a:p>
-          <a:p>
-            <a:pPr marL="0" indent="0">
-              <a:buNone/>
-            </a:pPr>
-            <a:r>
-              <a:rPr lang="en-US" dirty="0" smtClean="0"/>
-              <a:t>3. Related work</a:t>
-            </a:r>
-          </a:p>
-          <a:p>
-            <a:pPr marL="0" indent="0">
-              <a:buNone/>
-            </a:pPr>
-            <a:r>
-              <a:rPr lang="en-US" dirty="0" smtClean="0"/>
-              <a:t>4. Proposed approach</a:t>
-            </a:r>
-          </a:p>
-          <a:p>
-            <a:pPr marL="0" indent="0">
-              <a:buNone/>
-            </a:pPr>
-            <a:r>
-              <a:rPr lang="en-US" dirty="0" smtClean="0"/>
-              <a:t>5. Experimental result</a:t>
-            </a:r>
-          </a:p>
-          <a:p>
-            <a:pPr marL="0" indent="0">
-              <a:buNone/>
-            </a:pPr>
-            <a:r>
-              <a:rPr lang="en-US" b="1" dirty="0" smtClean="0"/>
-              <a:t>6. Conclusion</a:t>
-            </a:r>
-            <a:endParaRPr lang="en-US" b="1" dirty="0"/>
-          </a:p>
-        </p:txBody>
-      </p:sp>
-    </p:spTree>
-    <p:extLst>
-      <p:ext uri="{BB962C8B-B14F-4D97-AF65-F5344CB8AC3E}">
-        <p14:creationId xmlns="" xmlns:p14="http://schemas.microsoft.com/office/powerpoint/2010/main" val="1133312594"/>
-      </p:ext>
-    </p:extLst>
-  </p:cSld>
-  <p:clrMapOvr>
-    <a:masterClrMapping/>
-  </p:clrMapOvr>
-</p:sld>
-</file>
-
-<file path=ppt/slides/slide27.xml><?xml version="1.0" encoding="utf-8"?>
-<p:sld xmlns:a="http://schemas.openxmlformats.org/drawingml/2006/main" xmlns:r="http://schemas.openxmlformats.org/officeDocument/2006/relationships" xmlns:p="http://schemas.openxmlformats.org/presentationml/2006/main">
-  <p:cSld>
-    <p:spTree>
-      <p:nvGrpSpPr>
-        <p:cNvPr id="1" name=""/>
-        <p:cNvGrpSpPr/>
-        <p:nvPr/>
-      </p:nvGrpSpPr>
-      <p:grpSpPr>
-        <a:xfrm>
-          <a:off x="0" y="0"/>
-          <a:ext cx="0" cy="0"/>
-          <a:chOff x="0" y="0"/>
-          <a:chExt cx="0" cy="0"/>
-        </a:xfrm>
-      </p:grpSpPr>
-      <p:sp>
-        <p:nvSpPr>
-          <p:cNvPr id="2" name="Title 1"/>
-          <p:cNvSpPr>
-            <a:spLocks noGrp="1"/>
-          </p:cNvSpPr>
-          <p:nvPr>
-            <p:ph type="title"/>
-          </p:nvPr>
-        </p:nvSpPr>
-        <p:spPr>
-          <a:xfrm>
-            <a:off x="-2912" y="0"/>
-            <a:ext cx="9146912" cy="692696"/>
-          </a:xfrm>
-          <a:solidFill>
-            <a:schemeClr val="bg1">
-              <a:lumMod val="75000"/>
-            </a:schemeClr>
-          </a:solidFill>
-        </p:spPr>
-        <p:txBody>
-          <a:bodyPr>
-            <a:normAutofit fontScale="90000"/>
-          </a:bodyPr>
-          <a:lstStyle/>
-          <a:p>
-            <a:pPr algn="l"/>
-            <a:r>
-              <a:rPr lang="en-US" dirty="0" smtClean="0">
-                <a:solidFill>
-                  <a:schemeClr val="bg1"/>
-                </a:solidFill>
-              </a:rPr>
-              <a:t> conclusion</a:t>
-            </a:r>
-            <a:endParaRPr lang="en-US" dirty="0">
-              <a:solidFill>
-                <a:schemeClr val="bg1"/>
-              </a:solidFill>
-            </a:endParaRPr>
-          </a:p>
-        </p:txBody>
-      </p:sp>
-      <p:sp>
-        <p:nvSpPr>
-          <p:cNvPr id="3" name="Content Placeholder 2"/>
-          <p:cNvSpPr>
-            <a:spLocks noGrp="1"/>
-          </p:cNvSpPr>
-          <p:nvPr>
-            <p:ph idx="1"/>
-          </p:nvPr>
-        </p:nvSpPr>
-        <p:spPr>
-          <a:xfrm>
-            <a:off x="457200" y="908720"/>
-            <a:ext cx="8229600" cy="5256584"/>
-          </a:xfrm>
-        </p:spPr>
-        <p:txBody>
-          <a:bodyPr>
-            <a:noAutofit/>
-          </a:bodyPr>
-          <a:lstStyle/>
-          <a:p>
-            <a:r>
-              <a:rPr lang="en-US" sz="2500" dirty="0" smtClean="0"/>
-              <a:t>From a given program under test, we find out the test paths which are difficult or impossible for GA to generate coverage test data, and then use the constraint solver </a:t>
-            </a:r>
-            <a:r>
-              <a:rPr lang="en-US" sz="2500" dirty="0" err="1" smtClean="0"/>
-              <a:t>Z3</a:t>
-            </a:r>
-            <a:r>
-              <a:rPr lang="en-US" sz="2500" dirty="0" smtClean="0"/>
-              <a:t> to solve these path conditions. The constraint satisfaction will be used again in generating population of GA. </a:t>
-            </a:r>
-          </a:p>
-          <a:p>
-            <a:r>
-              <a:rPr lang="en-US" sz="2500" dirty="0" smtClean="0"/>
-              <a:t>The experimental results of some programs under test demonstrate that improved GA generated test data can cover all feasible paths having path conditions which cannot be covered by test data generated from regular GA. </a:t>
-            </a:r>
-          </a:p>
-          <a:p>
-            <a:r>
-              <a:rPr lang="en-US" sz="2500" dirty="0" smtClean="0"/>
-              <a:t>In the future, we will investigate how to automatically insert instrument code into the given program under test. Moreover, we are going to extend our proposed method to apply to the more complex programs under test. </a:t>
-            </a:r>
-            <a:endParaRPr lang="en-US" sz="2500" b="1" dirty="0"/>
-          </a:p>
-        </p:txBody>
-      </p:sp>
-    </p:spTree>
-    <p:extLst>
-      <p:ext uri="{BB962C8B-B14F-4D97-AF65-F5344CB8AC3E}">
-        <p14:creationId xmlns="" xmlns:p14="http://schemas.microsoft.com/office/powerpoint/2010/main" val="1133312594"/>
-      </p:ext>
-    </p:extLst>
-  </p:cSld>
-  <p:clrMapOvr>
-    <a:masterClrMapping/>
-  </p:clrMapOvr>
-</p:sld>
-</file>
-
-<file path=ppt/slides/slide28.xml><?xml version="1.0" encoding="utf-8"?>
-<p:sld xmlns:a="http://schemas.openxmlformats.org/drawingml/2006/main" xmlns:r="http://schemas.openxmlformats.org/officeDocument/2006/relationships" xmlns:p="http://schemas.openxmlformats.org/presentationml/2006/main">
-  <p:cSld>
-    <p:spTree>
-      <p:nvGrpSpPr>
-        <p:cNvPr id="1" name=""/>
-        <p:cNvGrpSpPr/>
-        <p:nvPr/>
-      </p:nvGrpSpPr>
-      <p:grpSpPr>
-        <a:xfrm>
-          <a:off x="0" y="0"/>
-          <a:ext cx="0" cy="0"/>
-          <a:chOff x="0" y="0"/>
-          <a:chExt cx="0" cy="0"/>
-        </a:xfrm>
-      </p:grpSpPr>
-      <p:sp>
-        <p:nvSpPr>
-          <p:cNvPr id="2" name="Title 1"/>
-          <p:cNvSpPr>
-            <a:spLocks noGrp="1"/>
-          </p:cNvSpPr>
-          <p:nvPr>
-            <p:ph type="title"/>
-          </p:nvPr>
-        </p:nvSpPr>
-        <p:spPr>
-          <a:xfrm>
-            <a:off x="-2912" y="0"/>
-            <a:ext cx="9146912" cy="692696"/>
-          </a:xfrm>
-          <a:solidFill>
-            <a:schemeClr val="bg1">
-              <a:lumMod val="75000"/>
-            </a:schemeClr>
-          </a:solidFill>
-        </p:spPr>
-        <p:txBody>
-          <a:bodyPr>
-            <a:normAutofit fontScale="90000"/>
-          </a:bodyPr>
-          <a:lstStyle/>
-          <a:p>
-            <a:pPr algn="l"/>
-            <a:r>
-              <a:rPr lang="en-US" dirty="0" smtClean="0">
-                <a:solidFill>
-                  <a:schemeClr val="bg1"/>
-                </a:solidFill>
-              </a:rPr>
-              <a:t> reference</a:t>
-            </a:r>
-            <a:endParaRPr lang="en-US" dirty="0">
-              <a:solidFill>
-                <a:schemeClr val="bg1"/>
-              </a:solidFill>
-            </a:endParaRPr>
-          </a:p>
-        </p:txBody>
-      </p:sp>
-      <p:sp>
-        <p:nvSpPr>
-          <p:cNvPr id="3" name="Content Placeholder 2"/>
-          <p:cNvSpPr>
-            <a:spLocks noGrp="1"/>
-          </p:cNvSpPr>
-          <p:nvPr>
-            <p:ph idx="1"/>
-          </p:nvPr>
-        </p:nvSpPr>
-        <p:spPr>
-          <a:xfrm>
-            <a:off x="385025" y="836712"/>
-            <a:ext cx="8424936" cy="5755946"/>
-          </a:xfrm>
-        </p:spPr>
-        <p:txBody>
-          <a:bodyPr>
-            <a:noAutofit/>
-          </a:bodyPr>
-          <a:lstStyle/>
-          <a:p>
-            <a:pPr marL="514350" indent="-514350">
-              <a:buAutoNum type="arabicPeriod"/>
-            </a:pPr>
-            <a:r>
-              <a:rPr lang="en-US" sz="1900" dirty="0" smtClean="0"/>
-              <a:t>G. J. Myers: The Art of Software Testing, 2nd edition. John Wiley &amp; Sons Inc (2004).</a:t>
-            </a:r>
-          </a:p>
-          <a:p>
-            <a:pPr marL="457200" indent="-457200">
-              <a:buAutoNum type="arabicPeriod"/>
-            </a:pPr>
-            <a:r>
-              <a:rPr lang="en-US" sz="1900" dirty="0" smtClean="0"/>
-              <a:t> J. C. Lin and P. L. </a:t>
-            </a:r>
-            <a:r>
-              <a:rPr lang="en-US" sz="1900" dirty="0" err="1" smtClean="0"/>
-              <a:t>Yeh</a:t>
-            </a:r>
-            <a:r>
-              <a:rPr lang="en-US" sz="1900" dirty="0" smtClean="0"/>
-              <a:t>: Using genetic algorithms for test case generation in path testing. In: 9th Asian Test Symposium, pp. 241--246. IEEE Computer Society, Washington (2000).</a:t>
-            </a:r>
-          </a:p>
-          <a:p>
-            <a:pPr marL="457200" indent="-457200">
-              <a:buAutoNum type="arabicPeriod"/>
-            </a:pPr>
-            <a:r>
-              <a:rPr lang="en-US" sz="1900" dirty="0" smtClean="0"/>
-              <a:t>B. F. Jones, H. H. </a:t>
-            </a:r>
-            <a:r>
-              <a:rPr lang="en-US" sz="1900" dirty="0" err="1" smtClean="0"/>
-              <a:t>Sthamer</a:t>
-            </a:r>
-            <a:r>
-              <a:rPr lang="en-US" sz="1900" dirty="0" smtClean="0"/>
-              <a:t>, and </a:t>
-            </a:r>
-            <a:r>
-              <a:rPr lang="en-US" sz="1900" dirty="0" err="1" smtClean="0"/>
-              <a:t>D.E.</a:t>
-            </a:r>
-            <a:r>
-              <a:rPr lang="en-US" sz="1900" dirty="0" smtClean="0"/>
-              <a:t> </a:t>
-            </a:r>
-            <a:r>
-              <a:rPr lang="en-US" sz="1900" dirty="0" err="1" smtClean="0"/>
-              <a:t>Eyres</a:t>
-            </a:r>
-            <a:r>
-              <a:rPr lang="en-US" sz="1900" dirty="0" smtClean="0"/>
-              <a:t>: Automatic structural testing using genetic algorithms. Software Engineering, 11(5), 299--306, (1996).</a:t>
-            </a:r>
-          </a:p>
-          <a:p>
-            <a:pPr marL="457200" indent="-457200">
-              <a:buAutoNum type="arabicPeriod"/>
-            </a:pPr>
-            <a:r>
-              <a:rPr lang="en-US" sz="1900" dirty="0" smtClean="0"/>
-              <a:t>Y. Chen and Y. </a:t>
-            </a:r>
-            <a:r>
-              <a:rPr lang="en-US" sz="1900" dirty="0" err="1" smtClean="0"/>
-              <a:t>Zhong</a:t>
-            </a:r>
-            <a:r>
-              <a:rPr lang="en-US" sz="1900" dirty="0" smtClean="0"/>
-              <a:t>: Automatic path-oriented test data generation using a multi-population genetic algorithm. In: 4th International Conference on Natural Computation, </a:t>
-            </a:r>
-            <a:r>
-              <a:rPr lang="en-US" sz="1900" dirty="0" err="1" smtClean="0"/>
-              <a:t>vol</a:t>
-            </a:r>
-            <a:r>
-              <a:rPr lang="en-US" sz="1900" dirty="0" smtClean="0"/>
-              <a:t> 1, pp. 566--570, 2008.</a:t>
-            </a:r>
-          </a:p>
-          <a:p>
-            <a:pPr marL="457200" indent="-457200">
-              <a:buAutoNum type="arabicPeriod"/>
-            </a:pPr>
-            <a:r>
-              <a:rPr lang="en-US" sz="1900" dirty="0" smtClean="0"/>
-              <a:t>J. </a:t>
-            </a:r>
-            <a:r>
-              <a:rPr lang="en-US" sz="1900" dirty="0" err="1" smtClean="0"/>
-              <a:t>Malburg</a:t>
-            </a:r>
-            <a:r>
-              <a:rPr lang="en-US" sz="1900" dirty="0" smtClean="0"/>
-              <a:t> and G. Fraser: Search-based testing using constraint-based mutation. Journal Software Testing, Verification &amp; Reliability, vol. 24(6), 472--495 (2014).</a:t>
-            </a:r>
-          </a:p>
-          <a:p>
-            <a:pPr marL="457200" indent="-457200">
-              <a:buAutoNum type="arabicPeriod"/>
-            </a:pPr>
-            <a:r>
-              <a:rPr lang="en-US" sz="1900" dirty="0" smtClean="0"/>
-              <a:t>I. </a:t>
-            </a:r>
-            <a:r>
-              <a:rPr lang="en-US" sz="1900" dirty="0" err="1" smtClean="0"/>
-              <a:t>Hermadi</a:t>
-            </a:r>
-            <a:r>
-              <a:rPr lang="en-US" sz="1900" dirty="0" smtClean="0"/>
-              <a:t> and M. A. Ahmed: Genetic Algorithm based test data generator. In: Congress on Evolutionary Computation (CEC), vol. 1, pp. 85--91. Canberra, Australia (2003).</a:t>
-            </a:r>
-          </a:p>
-          <a:p>
-            <a:pPr marL="457200" indent="-457200">
-              <a:buAutoNum type="arabicPeriod"/>
-            </a:pPr>
-            <a:r>
-              <a:rPr lang="en-US" sz="1900" dirty="0" smtClean="0"/>
-              <a:t>M. A. Ahmed and I. </a:t>
-            </a:r>
-            <a:r>
-              <a:rPr lang="en-US" sz="1900" dirty="0" err="1" smtClean="0"/>
-              <a:t>Hermadi</a:t>
-            </a:r>
-            <a:r>
-              <a:rPr lang="en-US" sz="1900" dirty="0" smtClean="0"/>
-              <a:t>: GA-based Multiple Paths Test Data Generator. Computers &amp; Operations Research, vol. 35, pp 3107--3124 (2008).</a:t>
-            </a:r>
-            <a:endParaRPr lang="en-US" sz="1900" dirty="0"/>
-          </a:p>
-        </p:txBody>
-      </p:sp>
-    </p:spTree>
-    <p:extLst>
-      <p:ext uri="{BB962C8B-B14F-4D97-AF65-F5344CB8AC3E}">
-        <p14:creationId xmlns="" xmlns:p14="http://schemas.microsoft.com/office/powerpoint/2010/main" val="1133312594"/>
-      </p:ext>
-    </p:extLst>
-  </p:cSld>
-  <p:clrMapOvr>
-    <a:masterClrMapping/>
-  </p:clrMapOvr>
-</p:sld>
-</file>
-
-<file path=ppt/slides/slide29.xml><?xml version="1.0" encoding="utf-8"?>
-<p:sld xmlns:a="http://schemas.openxmlformats.org/drawingml/2006/main" xmlns:r="http://schemas.openxmlformats.org/officeDocument/2006/relationships" xmlns:p="http://schemas.openxmlformats.org/presentationml/2006/main">
-  <p:cSld>
-    <p:spTree>
-      <p:nvGrpSpPr>
-        <p:cNvPr id="1" name=""/>
-        <p:cNvGrpSpPr/>
-        <p:nvPr/>
-      </p:nvGrpSpPr>
-      <p:grpSpPr>
-        <a:xfrm>
-          <a:off x="0" y="0"/>
-          <a:ext cx="0" cy="0"/>
-          <a:chOff x="0" y="0"/>
-          <a:chExt cx="0" cy="0"/>
-        </a:xfrm>
-      </p:grpSpPr>
-      <p:pic>
-        <p:nvPicPr>
-          <p:cNvPr id="10242" name="Picture 2"/>
-          <p:cNvPicPr>
-            <a:picLocks noChangeAspect="1" noChangeArrowheads="1"/>
-          </p:cNvPicPr>
-          <p:nvPr/>
-        </p:nvPicPr>
-        <p:blipFill>
-          <a:blip r:embed="rId2" cstate="print"/>
-          <a:srcRect/>
-          <a:stretch>
-            <a:fillRect/>
-          </a:stretch>
-        </p:blipFill>
-        <p:spPr bwMode="auto">
-          <a:xfrm>
-            <a:off x="1043608" y="1124744"/>
-            <a:ext cx="7019925" cy="3990975"/>
-          </a:xfrm>
-          <a:prstGeom prst="rect">
-            <a:avLst/>
-          </a:prstGeom>
-          <a:noFill/>
-          <a:ln w="9525">
-            <a:noFill/>
-            <a:miter lim="800000"/>
-            <a:headEnd/>
-            <a:tailEnd/>
-          </a:ln>
-        </p:spPr>
-      </p:pic>
-    </p:spTree>
-    <p:extLst>
-      <p:ext uri="{BB962C8B-B14F-4D97-AF65-F5344CB8AC3E}">
-        <p14:creationId xmlns="" xmlns:p14="http://schemas.microsoft.com/office/powerpoint/2010/main" val="1133312594"/>
-      </p:ext>
-    </p:extLst>
-  </p:cSld>
-  <p:clrMapOvr>
-    <a:masterClrMapping/>
-  </p:clrMapOvr>
 </p:sld>
 </file>
 
@@ -6729,179 +3675,6 @@
                   <a:schemeClr val="bg1"/>
                 </a:solidFill>
               </a:rPr>
-              <a:t> software is everywhere</a:t>
-            </a:r>
-            <a:endParaRPr lang="en-US" dirty="0">
-              <a:solidFill>
-                <a:schemeClr val="bg1"/>
-              </a:solidFill>
-            </a:endParaRPr>
-          </a:p>
-        </p:txBody>
-      </p:sp>
-      <p:sp>
-        <p:nvSpPr>
-          <p:cNvPr id="5" name="TextBox 4"/>
-          <p:cNvSpPr txBox="1"/>
-          <p:nvPr/>
-        </p:nvSpPr>
-        <p:spPr>
-          <a:xfrm>
-            <a:off x="467544" y="5562600"/>
-            <a:ext cx="8447856" cy="1107996"/>
-          </a:xfrm>
-          <a:prstGeom prst="rect">
-            <a:avLst/>
-          </a:prstGeom>
-          <a:noFill/>
-        </p:spPr>
-        <p:txBody>
-          <a:bodyPr wrap="square" rtlCol="0">
-            <a:spAutoFit/>
-          </a:bodyPr>
-          <a:lstStyle/>
-          <a:p>
-            <a:r>
-              <a:rPr lang="en-US" sz="2200" dirty="0" smtClean="0"/>
-              <a:t>Bugs are expensive. Annual cost of bug fixing to US economy is $</a:t>
-            </a:r>
-            <a:r>
-              <a:rPr lang="ja-JP" altLang="en-US" sz="2200" dirty="0" smtClean="0"/>
-              <a:t>～</a:t>
-            </a:r>
-            <a:r>
-              <a:rPr lang="en-US" sz="2200" dirty="0" smtClean="0"/>
-              <a:t>60B [1], so automated testing is an efficient way to reduce those effort and costs.</a:t>
-            </a:r>
-            <a:endParaRPr lang="en-US" sz="2200" dirty="0"/>
-          </a:p>
-        </p:txBody>
-      </p:sp>
-      <p:pic>
-        <p:nvPicPr>
-          <p:cNvPr id="2051" name="Picture 3"/>
-          <p:cNvPicPr>
-            <a:picLocks noChangeAspect="1" noChangeArrowheads="1"/>
-          </p:cNvPicPr>
-          <p:nvPr/>
-        </p:nvPicPr>
-        <p:blipFill>
-          <a:blip r:embed="rId2" cstate="print">
-            <a:extLst>
-              <a:ext uri="{28A0092B-C50C-407E-A947-70E740481C1C}">
-                <a14:useLocalDpi xmlns="" xmlns:a14="http://schemas.microsoft.com/office/drawing/2010/main" val="0"/>
-              </a:ext>
-            </a:extLst>
-          </a:blip>
-          <a:srcRect/>
-          <a:stretch>
-            <a:fillRect/>
-          </a:stretch>
-        </p:blipFill>
-        <p:spPr bwMode="auto">
-          <a:xfrm>
-            <a:off x="323528" y="908720"/>
-            <a:ext cx="8712968" cy="4752528"/>
-          </a:xfrm>
-          <a:prstGeom prst="rect">
-            <a:avLst/>
-          </a:prstGeom>
-          <a:noFill/>
-          <a:ln>
-            <a:noFill/>
-          </a:ln>
-          <a:extLst>
-            <a:ext uri="{909E8E84-426E-40DD-AFC4-6F175D3DCCD1}">
-              <a14:hiddenFill xmlns="" xmlns:a14="http://schemas.microsoft.com/office/drawing/2010/main">
-                <a:solidFill>
-                  <a:schemeClr val="accent1"/>
-                </a:solidFill>
-              </a14:hiddenFill>
-            </a:ext>
-            <a:ext uri="{91240B29-F687-4F45-9708-019B960494DF}">
-              <a14:hiddenLine xmlns="" xmlns:a14="http://schemas.microsoft.com/office/drawing/2010/main" w="9525">
-                <a:solidFill>
-                  <a:schemeClr val="tx1"/>
-                </a:solidFill>
-                <a:miter lim="800000"/>
-                <a:headEnd/>
-                <a:tailEnd/>
-              </a14:hiddenLine>
-            </a:ext>
-          </a:extLst>
-        </p:spPr>
-      </p:pic>
-    </p:spTree>
-    <p:extLst>
-      <p:ext uri="{BB962C8B-B14F-4D97-AF65-F5344CB8AC3E}">
-        <p14:creationId xmlns="" xmlns:p14="http://schemas.microsoft.com/office/powerpoint/2010/main" val="763281191"/>
-      </p:ext>
-    </p:extLst>
-  </p:cSld>
-  <p:clrMapOvr>
-    <a:masterClrMapping/>
-  </p:clrMapOvr>
-  <p:timing>
-    <p:tnLst>
-      <p:par>
-        <p:cTn id="1" dur="indefinite" restart="never" nodeType="tmRoot"/>
-      </p:par>
-    </p:tnLst>
-  </p:timing>
-</p:sld>
-</file>
-
-<file path=ppt/slides/slide4.xml><?xml version="1.0" encoding="utf-8"?>
-<p:sld xmlns:a="http://schemas.openxmlformats.org/drawingml/2006/main" xmlns:r="http://schemas.openxmlformats.org/officeDocument/2006/relationships" xmlns:p="http://schemas.openxmlformats.org/presentationml/2006/main">
-  <p:cSld>
-    <p:spTree>
-      <p:nvGrpSpPr>
-        <p:cNvPr id="1" name=""/>
-        <p:cNvGrpSpPr/>
-        <p:nvPr/>
-      </p:nvGrpSpPr>
-      <p:grpSpPr>
-        <a:xfrm>
-          <a:off x="0" y="0"/>
-          <a:ext cx="0" cy="0"/>
-          <a:chOff x="0" y="0"/>
-          <a:chExt cx="0" cy="0"/>
-        </a:xfrm>
-      </p:grpSpPr>
-      <p:sp>
-        <p:nvSpPr>
-          <p:cNvPr id="2" name="Title 1"/>
-          <p:cNvSpPr>
-            <a:spLocks noGrp="1"/>
-          </p:cNvSpPr>
-          <p:nvPr>
-            <p:ph type="title"/>
-          </p:nvPr>
-        </p:nvSpPr>
-        <p:spPr>
-          <a:xfrm>
-            <a:off x="-2912" y="0"/>
-            <a:ext cx="9146912" cy="692696"/>
-          </a:xfrm>
-          <a:solidFill>
-            <a:schemeClr val="bg1">
-              <a:lumMod val="75000"/>
-            </a:schemeClr>
-          </a:solidFill>
-        </p:spPr>
-        <p:txBody>
-          <a:bodyPr>
-            <a:normAutofit fontScale="90000"/>
-          </a:bodyPr>
-          <a:lstStyle/>
-          <a:p>
-            <a:pPr algn="l"/>
-            <a:r>
-              <a:rPr lang="en-US" dirty="0" smtClean="0">
-                <a:solidFill>
-                  <a:schemeClr val="bg1"/>
-                </a:solidFill>
-              </a:rPr>
               <a:t> </a:t>
             </a:r>
             <a:r>
@@ -6910,15 +3683,7 @@
                   <a:schemeClr val="bg1"/>
                 </a:solidFill>
               </a:rPr>
-              <a:t>approaches to </a:t>
-            </a:r>
-            <a:r>
-              <a:rPr lang="en-US" dirty="0" smtClean="0">
-                <a:solidFill>
-                  <a:schemeClr val="bg1"/>
-                </a:solidFill>
-              </a:rPr>
-              <a:t>automated testing</a:t>
+              <a:t>Experimental results</a:t>
             </a:r>
             <a:endParaRPr lang="en-US" dirty="0">
               <a:solidFill>
@@ -7022,782 +3787,7 @@
     </p:spTree>
     <p:extLst>
       <p:ext uri="{BB962C8B-B14F-4D97-AF65-F5344CB8AC3E}">
-        <p14:creationId xmlns="" xmlns:p14="http://schemas.microsoft.com/office/powerpoint/2010/main" val="3736083669"/>
-      </p:ext>
-    </p:extLst>
-  </p:cSld>
-  <p:clrMapOvr>
-    <a:masterClrMapping/>
-  </p:clrMapOvr>
-  <p:timing>
-    <p:tnLst>
-      <p:par>
-        <p:cTn id="1" dur="indefinite" restart="never" nodeType="tmRoot"/>
-      </p:par>
-    </p:tnLst>
-  </p:timing>
-</p:sld>
-</file>
-
-<file path=ppt/slides/slide5.xml><?xml version="1.0" encoding="utf-8"?>
-<p:sld xmlns:a="http://schemas.openxmlformats.org/drawingml/2006/main" xmlns:r="http://schemas.openxmlformats.org/officeDocument/2006/relationships" xmlns:p="http://schemas.openxmlformats.org/presentationml/2006/main">
-  <p:cSld>
-    <p:spTree>
-      <p:nvGrpSpPr>
-        <p:cNvPr id="1" name=""/>
-        <p:cNvGrpSpPr/>
-        <p:nvPr/>
-      </p:nvGrpSpPr>
-      <p:grpSpPr>
-        <a:xfrm>
-          <a:off x="0" y="0"/>
-          <a:ext cx="0" cy="0"/>
-          <a:chOff x="0" y="0"/>
-          <a:chExt cx="0" cy="0"/>
-        </a:xfrm>
-      </p:grpSpPr>
-      <p:sp>
-        <p:nvSpPr>
-          <p:cNvPr id="2" name="Title 1"/>
-          <p:cNvSpPr>
-            <a:spLocks noGrp="1"/>
-          </p:cNvSpPr>
-          <p:nvPr>
-            <p:ph type="title"/>
-          </p:nvPr>
-        </p:nvSpPr>
-        <p:spPr>
-          <a:xfrm>
-            <a:off x="-2912" y="0"/>
-            <a:ext cx="9146912" cy="692696"/>
-          </a:xfrm>
-          <a:solidFill>
-            <a:schemeClr val="bg1">
-              <a:lumMod val="75000"/>
-            </a:schemeClr>
-          </a:solidFill>
-        </p:spPr>
-        <p:txBody>
-          <a:bodyPr>
-            <a:normAutofit fontScale="90000"/>
-          </a:bodyPr>
-          <a:lstStyle/>
-          <a:p>
-            <a:pPr algn="l"/>
-            <a:r>
-              <a:rPr lang="en-US" dirty="0" smtClean="0">
-                <a:solidFill>
-                  <a:schemeClr val="bg1"/>
-                </a:solidFill>
-              </a:rPr>
-              <a:t> problem statement</a:t>
-            </a:r>
-            <a:endParaRPr lang="en-US" dirty="0">
-              <a:solidFill>
-                <a:schemeClr val="bg1"/>
-              </a:solidFill>
-            </a:endParaRPr>
-          </a:p>
-        </p:txBody>
-      </p:sp>
-      <p:sp>
-        <p:nvSpPr>
-          <p:cNvPr id="3" name="Content Placeholder 2"/>
-          <p:cNvSpPr>
-            <a:spLocks noGrp="1"/>
-          </p:cNvSpPr>
-          <p:nvPr>
-            <p:ph idx="1"/>
-          </p:nvPr>
-        </p:nvSpPr>
-        <p:spPr>
-          <a:xfrm>
-            <a:off x="395536" y="4005064"/>
-            <a:ext cx="8229600" cy="2304256"/>
-          </a:xfrm>
-        </p:spPr>
-        <p:txBody>
-          <a:bodyPr>
-            <a:normAutofit/>
-          </a:bodyPr>
-          <a:lstStyle/>
-          <a:p>
-            <a:pPr marL="0" indent="0">
-              <a:buNone/>
-            </a:pPr>
-            <a:r>
-              <a:rPr lang="en-US" sz="3000" dirty="0" smtClean="0"/>
-              <a:t>SE can solve the second condition, but cannot for the first, when GA can generate test data for the first condition but it has degraded with the second condition </a:t>
-            </a:r>
-            <a:endParaRPr lang="en-US" sz="3000" dirty="0"/>
-          </a:p>
-        </p:txBody>
-      </p:sp>
-      <p:pic>
-        <p:nvPicPr>
-          <p:cNvPr id="11266" name="Picture 2"/>
-          <p:cNvPicPr>
-            <a:picLocks noChangeAspect="1" noChangeArrowheads="1"/>
-          </p:cNvPicPr>
-          <p:nvPr/>
-        </p:nvPicPr>
-        <p:blipFill>
-          <a:blip r:embed="rId2" cstate="print"/>
-          <a:srcRect/>
-          <a:stretch>
-            <a:fillRect/>
-          </a:stretch>
-        </p:blipFill>
-        <p:spPr bwMode="auto">
-          <a:xfrm>
-            <a:off x="467544" y="1052736"/>
-            <a:ext cx="7632848" cy="2808312"/>
-          </a:xfrm>
-          <a:prstGeom prst="rect">
-            <a:avLst/>
-          </a:prstGeom>
-          <a:noFill/>
-          <a:ln w="9525">
-            <a:noFill/>
-            <a:miter lim="800000"/>
-            <a:headEnd/>
-            <a:tailEnd/>
-          </a:ln>
-        </p:spPr>
-      </p:pic>
-    </p:spTree>
-    <p:extLst>
-      <p:ext uri="{BB962C8B-B14F-4D97-AF65-F5344CB8AC3E}">
-        <p14:creationId xmlns="" xmlns:p14="http://schemas.microsoft.com/office/powerpoint/2010/main" val="3736083669"/>
-      </p:ext>
-    </p:extLst>
-  </p:cSld>
-  <p:clrMapOvr>
-    <a:masterClrMapping/>
-  </p:clrMapOvr>
-  <p:timing>
-    <p:tnLst>
-      <p:par>
-        <p:cTn id="1" dur="indefinite" restart="never" nodeType="tmRoot"/>
-      </p:par>
-    </p:tnLst>
-  </p:timing>
-</p:sld>
-</file>
-
-<file path=ppt/slides/slide6.xml><?xml version="1.0" encoding="utf-8"?>
-<p:sld xmlns:a="http://schemas.openxmlformats.org/drawingml/2006/main" xmlns:r="http://schemas.openxmlformats.org/officeDocument/2006/relationships" xmlns:p="http://schemas.openxmlformats.org/presentationml/2006/main">
-  <p:cSld>
-    <p:spTree>
-      <p:nvGrpSpPr>
-        <p:cNvPr id="1" name=""/>
-        <p:cNvGrpSpPr/>
-        <p:nvPr/>
-      </p:nvGrpSpPr>
-      <p:grpSpPr>
-        <a:xfrm>
-          <a:off x="0" y="0"/>
-          <a:ext cx="0" cy="0"/>
-          <a:chOff x="0" y="0"/>
-          <a:chExt cx="0" cy="0"/>
-        </a:xfrm>
-      </p:grpSpPr>
-      <p:sp>
-        <p:nvSpPr>
-          <p:cNvPr id="2" name="Title 1"/>
-          <p:cNvSpPr>
-            <a:spLocks noGrp="1"/>
-          </p:cNvSpPr>
-          <p:nvPr>
-            <p:ph type="title"/>
-          </p:nvPr>
-        </p:nvSpPr>
-        <p:spPr>
-          <a:xfrm>
-            <a:off x="-2912" y="0"/>
-            <a:ext cx="9146912" cy="692696"/>
-          </a:xfrm>
-          <a:solidFill>
-            <a:schemeClr val="bg1">
-              <a:lumMod val="75000"/>
-            </a:schemeClr>
-          </a:solidFill>
-        </p:spPr>
-        <p:txBody>
-          <a:bodyPr>
-            <a:normAutofit fontScale="90000"/>
-          </a:bodyPr>
-          <a:lstStyle/>
-          <a:p>
-            <a:pPr algn="l"/>
-            <a:r>
-              <a:rPr lang="en-US" dirty="0" smtClean="0">
-                <a:solidFill>
-                  <a:schemeClr val="bg1"/>
-                </a:solidFill>
-              </a:rPr>
-              <a:t> outline</a:t>
-            </a:r>
-            <a:endParaRPr lang="en-US" dirty="0">
-              <a:solidFill>
-                <a:schemeClr val="bg1"/>
-              </a:solidFill>
-            </a:endParaRPr>
-          </a:p>
-        </p:txBody>
-      </p:sp>
-      <p:sp>
-        <p:nvSpPr>
-          <p:cNvPr id="3" name="Content Placeholder 2"/>
-          <p:cNvSpPr>
-            <a:spLocks noGrp="1"/>
-          </p:cNvSpPr>
-          <p:nvPr>
-            <p:ph idx="1"/>
-          </p:nvPr>
-        </p:nvSpPr>
-        <p:spPr>
-          <a:xfrm>
-            <a:off x="457200" y="1052736"/>
-            <a:ext cx="8229600" cy="4205064"/>
-          </a:xfrm>
-        </p:spPr>
-        <p:txBody>
-          <a:bodyPr/>
-          <a:lstStyle/>
-          <a:p>
-            <a:pPr marL="0" indent="0">
-              <a:buNone/>
-            </a:pPr>
-            <a:r>
-              <a:rPr lang="en-US" dirty="0" smtClean="0"/>
-              <a:t>1. Introduction</a:t>
-            </a:r>
-          </a:p>
-          <a:p>
-            <a:pPr marL="0" indent="0">
-              <a:buNone/>
-            </a:pPr>
-            <a:r>
-              <a:rPr lang="en-US" b="1" dirty="0" smtClean="0"/>
-              <a:t>2. Background</a:t>
-            </a:r>
-          </a:p>
-          <a:p>
-            <a:pPr marL="0" indent="0">
-              <a:buNone/>
-            </a:pPr>
-            <a:r>
-              <a:rPr lang="en-US" dirty="0" smtClean="0"/>
-              <a:t>3. Related work</a:t>
-            </a:r>
-          </a:p>
-          <a:p>
-            <a:pPr marL="0" indent="0">
-              <a:buNone/>
-            </a:pPr>
-            <a:r>
-              <a:rPr lang="en-US" dirty="0" smtClean="0"/>
-              <a:t>4. Proposed approach</a:t>
-            </a:r>
-          </a:p>
-          <a:p>
-            <a:pPr marL="0" indent="0">
-              <a:buNone/>
-            </a:pPr>
-            <a:r>
-              <a:rPr lang="en-US" dirty="0" smtClean="0"/>
-              <a:t>5. Experimental result</a:t>
-            </a:r>
-          </a:p>
-          <a:p>
-            <a:pPr marL="0" indent="0">
-              <a:buNone/>
-            </a:pPr>
-            <a:r>
-              <a:rPr lang="en-US" dirty="0" smtClean="0"/>
-              <a:t>6. Conclusion</a:t>
-            </a:r>
-            <a:endParaRPr lang="en-US" dirty="0"/>
-          </a:p>
-        </p:txBody>
-      </p:sp>
-    </p:spTree>
-    <p:extLst>
-      <p:ext uri="{BB962C8B-B14F-4D97-AF65-F5344CB8AC3E}">
-        <p14:creationId xmlns="" xmlns:p14="http://schemas.microsoft.com/office/powerpoint/2010/main" val="976856806"/>
-      </p:ext>
-    </p:extLst>
-  </p:cSld>
-  <p:clrMapOvr>
-    <a:masterClrMapping/>
-  </p:clrMapOvr>
-  <p:timing>
-    <p:tnLst>
-      <p:par>
-        <p:cTn id="1" dur="indefinite" restart="never" nodeType="tmRoot"/>
-      </p:par>
-    </p:tnLst>
-  </p:timing>
-</p:sld>
-</file>
-
-<file path=ppt/slides/slide7.xml><?xml version="1.0" encoding="utf-8"?>
-<p:sld xmlns:a="http://schemas.openxmlformats.org/drawingml/2006/main" xmlns:r="http://schemas.openxmlformats.org/officeDocument/2006/relationships" xmlns:p="http://schemas.openxmlformats.org/presentationml/2006/main">
-  <p:cSld>
-    <p:spTree>
-      <p:nvGrpSpPr>
-        <p:cNvPr id="1" name=""/>
-        <p:cNvGrpSpPr/>
-        <p:nvPr/>
-      </p:nvGrpSpPr>
-      <p:grpSpPr>
-        <a:xfrm>
-          <a:off x="0" y="0"/>
-          <a:ext cx="0" cy="0"/>
-          <a:chOff x="0" y="0"/>
-          <a:chExt cx="0" cy="0"/>
-        </a:xfrm>
-      </p:grpSpPr>
-      <p:sp>
-        <p:nvSpPr>
-          <p:cNvPr id="2" name="Title 1"/>
-          <p:cNvSpPr>
-            <a:spLocks noGrp="1"/>
-          </p:cNvSpPr>
-          <p:nvPr>
-            <p:ph type="title"/>
-          </p:nvPr>
-        </p:nvSpPr>
-        <p:spPr>
-          <a:xfrm>
-            <a:off x="-2912" y="0"/>
-            <a:ext cx="9146912" cy="692696"/>
-          </a:xfrm>
-          <a:solidFill>
-            <a:schemeClr val="bg1">
-              <a:lumMod val="75000"/>
-            </a:schemeClr>
-          </a:solidFill>
-        </p:spPr>
-        <p:txBody>
-          <a:bodyPr>
-            <a:normAutofit fontScale="90000"/>
-          </a:bodyPr>
-          <a:lstStyle/>
-          <a:p>
-            <a:pPr algn="l"/>
-            <a:r>
-              <a:rPr lang="en-US" dirty="0" smtClean="0">
-                <a:solidFill>
-                  <a:schemeClr val="bg1"/>
-                </a:solidFill>
-              </a:rPr>
-              <a:t> testing as an optimization problem</a:t>
-            </a:r>
-            <a:endParaRPr lang="en-US" dirty="0">
-              <a:solidFill>
-                <a:schemeClr val="bg1"/>
-              </a:solidFill>
-            </a:endParaRPr>
-          </a:p>
-        </p:txBody>
-      </p:sp>
-      <p:sp>
-        <p:nvSpPr>
-          <p:cNvPr id="3" name="Content Placeholder 2"/>
-          <p:cNvSpPr>
-            <a:spLocks noGrp="1"/>
-          </p:cNvSpPr>
-          <p:nvPr>
-            <p:ph idx="1"/>
-          </p:nvPr>
-        </p:nvSpPr>
-        <p:spPr>
-          <a:xfrm>
-            <a:off x="457200" y="1052736"/>
-            <a:ext cx="8229600" cy="4824536"/>
-          </a:xfrm>
-        </p:spPr>
-        <p:txBody>
-          <a:bodyPr>
-            <a:normAutofit/>
-          </a:bodyPr>
-          <a:lstStyle/>
-          <a:p>
-            <a:pPr marL="0" indent="0">
-              <a:buNone/>
-            </a:pPr>
-            <a:r>
-              <a:rPr lang="en-US" dirty="0" smtClean="0"/>
-              <a:t>When using GA, a path coverage test data generation is transformed into an optimization problem. </a:t>
-            </a:r>
-          </a:p>
-          <a:p>
-            <a:pPr marL="0" indent="0">
-              <a:buNone/>
-            </a:pPr>
-            <a:r>
-              <a:rPr lang="en-US" dirty="0" smtClean="0"/>
-              <a:t>To cover a test path during execution, find appropriate values for the input variables which satisfy related branch predicates. </a:t>
-            </a:r>
-          </a:p>
-          <a:p>
-            <a:pPr marL="0" indent="0">
-              <a:buNone/>
-            </a:pPr>
-            <a:r>
-              <a:rPr lang="en-US" dirty="0" smtClean="0"/>
-              <a:t>Using </a:t>
-            </a:r>
-            <a:r>
-              <a:rPr lang="en-US" dirty="0" err="1" smtClean="0"/>
-              <a:t>Korel’s</a:t>
-            </a:r>
-            <a:r>
-              <a:rPr lang="en-US" dirty="0" smtClean="0"/>
-              <a:t> branch distance function: if a branch predicate B is (x ≤ y - 5), then apply the </a:t>
-            </a:r>
-            <a:r>
-              <a:rPr lang="en-US" dirty="0" err="1" smtClean="0"/>
-              <a:t>Korel</a:t>
-            </a:r>
-            <a:r>
-              <a:rPr lang="en-US" dirty="0" smtClean="0"/>
-              <a:t> function f(B) = x - (y - 5). </a:t>
-            </a:r>
-            <a:endParaRPr lang="en-US" dirty="0"/>
-          </a:p>
-        </p:txBody>
-      </p:sp>
-    </p:spTree>
-    <p:extLst>
-      <p:ext uri="{BB962C8B-B14F-4D97-AF65-F5344CB8AC3E}">
-        <p14:creationId xmlns="" xmlns:p14="http://schemas.microsoft.com/office/powerpoint/2010/main" val="976856806"/>
-      </p:ext>
-    </p:extLst>
-  </p:cSld>
-  <p:clrMapOvr>
-    <a:masterClrMapping/>
-  </p:clrMapOvr>
-  <p:timing>
-    <p:tnLst>
-      <p:par>
-        <p:cTn id="1" dur="indefinite" restart="never" nodeType="tmRoot"/>
-      </p:par>
-    </p:tnLst>
-  </p:timing>
-</p:sld>
-</file>
-
-<file path=ppt/slides/slide8.xml><?xml version="1.0" encoding="utf-8"?>
-<p:sld xmlns:a="http://schemas.openxmlformats.org/drawingml/2006/main" xmlns:r="http://schemas.openxmlformats.org/officeDocument/2006/relationships" xmlns:p="http://schemas.openxmlformats.org/presentationml/2006/main">
-  <p:cSld>
-    <p:spTree>
-      <p:nvGrpSpPr>
-        <p:cNvPr id="1" name=""/>
-        <p:cNvGrpSpPr/>
-        <p:nvPr/>
-      </p:nvGrpSpPr>
-      <p:grpSpPr>
-        <a:xfrm>
-          <a:off x="0" y="0"/>
-          <a:ext cx="0" cy="0"/>
-          <a:chOff x="0" y="0"/>
-          <a:chExt cx="0" cy="0"/>
-        </a:xfrm>
-      </p:grpSpPr>
-      <p:sp>
-        <p:nvSpPr>
-          <p:cNvPr id="2" name="Title 1"/>
-          <p:cNvSpPr>
-            <a:spLocks noGrp="1"/>
-          </p:cNvSpPr>
-          <p:nvPr>
-            <p:ph type="title"/>
-          </p:nvPr>
-        </p:nvSpPr>
-        <p:spPr>
-          <a:xfrm>
-            <a:off x="-2912" y="0"/>
-            <a:ext cx="9146912" cy="692696"/>
-          </a:xfrm>
-          <a:solidFill>
-            <a:schemeClr val="bg1">
-              <a:lumMod val="75000"/>
-            </a:schemeClr>
-          </a:solidFill>
-        </p:spPr>
-        <p:txBody>
-          <a:bodyPr>
-            <a:normAutofit fontScale="90000"/>
-          </a:bodyPr>
-          <a:lstStyle/>
-          <a:p>
-            <a:pPr algn="l"/>
-            <a:r>
-              <a:rPr lang="en-US" dirty="0" smtClean="0">
-                <a:solidFill>
-                  <a:schemeClr val="bg1"/>
-                </a:solidFill>
-              </a:rPr>
-              <a:t> </a:t>
-            </a:r>
-            <a:r>
-              <a:rPr lang="en-US" dirty="0" err="1" smtClean="0">
-                <a:solidFill>
-                  <a:schemeClr val="bg1"/>
-                </a:solidFill>
-              </a:rPr>
-              <a:t>Korel</a:t>
-            </a:r>
-            <a:r>
-              <a:rPr lang="en-US" dirty="0" smtClean="0">
-                <a:solidFill>
-                  <a:schemeClr val="bg1"/>
-                </a:solidFill>
-              </a:rPr>
-              <a:t> function</a:t>
-            </a:r>
-            <a:endParaRPr lang="en-US" dirty="0">
-              <a:solidFill>
-                <a:schemeClr val="bg1"/>
-              </a:solidFill>
-            </a:endParaRPr>
-          </a:p>
-        </p:txBody>
-      </p:sp>
-      <p:pic>
-        <p:nvPicPr>
-          <p:cNvPr id="2050" name="Picture 2"/>
-          <p:cNvPicPr>
-            <a:picLocks noChangeAspect="1" noChangeArrowheads="1"/>
-          </p:cNvPicPr>
-          <p:nvPr/>
-        </p:nvPicPr>
-        <p:blipFill>
-          <a:blip r:embed="rId2" cstate="print"/>
-          <a:srcRect/>
-          <a:stretch>
-            <a:fillRect/>
-          </a:stretch>
-        </p:blipFill>
-        <p:spPr bwMode="auto">
-          <a:xfrm>
-            <a:off x="838200" y="1484784"/>
-            <a:ext cx="7391400" cy="3849216"/>
-          </a:xfrm>
-          <a:prstGeom prst="rect">
-            <a:avLst/>
-          </a:prstGeom>
-          <a:noFill/>
-          <a:ln w="9525">
-            <a:noFill/>
-            <a:miter lim="800000"/>
-            <a:headEnd/>
-            <a:tailEnd/>
-          </a:ln>
-        </p:spPr>
-      </p:pic>
-    </p:spTree>
-    <p:extLst>
-      <p:ext uri="{BB962C8B-B14F-4D97-AF65-F5344CB8AC3E}">
-        <p14:creationId xmlns="" xmlns:p14="http://schemas.microsoft.com/office/powerpoint/2010/main" val="976856806"/>
-      </p:ext>
-    </p:extLst>
-  </p:cSld>
-  <p:clrMapOvr>
-    <a:masterClrMapping/>
-  </p:clrMapOvr>
-  <p:timing>
-    <p:tnLst>
-      <p:par>
-        <p:cTn id="1" dur="indefinite" restart="never" nodeType="tmRoot"/>
-      </p:par>
-    </p:tnLst>
-  </p:timing>
-</p:sld>
-</file>
-
-<file path=ppt/slides/slide9.xml><?xml version="1.0" encoding="utf-8"?>
-<p:sld xmlns:a="http://schemas.openxmlformats.org/drawingml/2006/main" xmlns:r="http://schemas.openxmlformats.org/officeDocument/2006/relationships" xmlns:p="http://schemas.openxmlformats.org/presentationml/2006/main">
-  <p:cSld>
-    <p:spTree>
-      <p:nvGrpSpPr>
-        <p:cNvPr id="1" name=""/>
-        <p:cNvGrpSpPr/>
-        <p:nvPr/>
-      </p:nvGrpSpPr>
-      <p:grpSpPr>
-        <a:xfrm>
-          <a:off x="0" y="0"/>
-          <a:ext cx="0" cy="0"/>
-          <a:chOff x="0" y="0"/>
-          <a:chExt cx="0" cy="0"/>
-        </a:xfrm>
-      </p:grpSpPr>
-      <p:sp>
-        <p:nvSpPr>
-          <p:cNvPr id="2" name="Title 1"/>
-          <p:cNvSpPr>
-            <a:spLocks noGrp="1"/>
-          </p:cNvSpPr>
-          <p:nvPr>
-            <p:ph type="title"/>
-          </p:nvPr>
-        </p:nvSpPr>
-        <p:spPr>
-          <a:xfrm>
-            <a:off x="-2912" y="0"/>
-            <a:ext cx="9146912" cy="692696"/>
-          </a:xfrm>
-          <a:solidFill>
-            <a:schemeClr val="bg1">
-              <a:lumMod val="75000"/>
-            </a:schemeClr>
-          </a:solidFill>
-        </p:spPr>
-        <p:txBody>
-          <a:bodyPr>
-            <a:normAutofit fontScale="90000"/>
-          </a:bodyPr>
-          <a:lstStyle/>
-          <a:p>
-            <a:pPr algn="l"/>
-            <a:r>
-              <a:rPr lang="en-US" dirty="0" smtClean="0">
-                <a:solidFill>
-                  <a:schemeClr val="bg1"/>
-                </a:solidFill>
-              </a:rPr>
-              <a:t> genetic algorithm(GA)</a:t>
-            </a:r>
-            <a:endParaRPr lang="en-US" dirty="0">
-              <a:solidFill>
-                <a:schemeClr val="bg1"/>
-              </a:solidFill>
-            </a:endParaRPr>
-          </a:p>
-        </p:txBody>
-      </p:sp>
-      <p:pic>
-        <p:nvPicPr>
-          <p:cNvPr id="3074" name="Picture 2"/>
-          <p:cNvPicPr>
-            <a:picLocks noChangeAspect="1" noChangeArrowheads="1"/>
-          </p:cNvPicPr>
-          <p:nvPr/>
-        </p:nvPicPr>
-        <p:blipFill>
-          <a:blip r:embed="rId2" cstate="print"/>
-          <a:srcRect/>
-          <a:stretch>
-            <a:fillRect/>
-          </a:stretch>
-        </p:blipFill>
-        <p:spPr bwMode="auto">
-          <a:xfrm>
-            <a:off x="395536" y="2057400"/>
-            <a:ext cx="8420100" cy="4032448"/>
-          </a:xfrm>
-          <a:prstGeom prst="rect">
-            <a:avLst/>
-          </a:prstGeom>
-          <a:noFill/>
-          <a:ln w="9525">
-            <a:noFill/>
-            <a:miter lim="800000"/>
-            <a:headEnd/>
-            <a:tailEnd/>
-          </a:ln>
-        </p:spPr>
-      </p:pic>
-      <p:sp>
-        <p:nvSpPr>
-          <p:cNvPr id="4" name="Content Placeholder 2"/>
-          <p:cNvSpPr>
-            <a:spLocks noGrp="1"/>
-          </p:cNvSpPr>
-          <p:nvPr>
-            <p:ph idx="1"/>
-          </p:nvPr>
-        </p:nvSpPr>
-        <p:spPr>
-          <a:xfrm>
-            <a:off x="381000" y="914400"/>
-            <a:ext cx="8534400" cy="1066800"/>
-          </a:xfrm>
-        </p:spPr>
-        <p:txBody>
-          <a:bodyPr>
-            <a:noAutofit/>
-          </a:bodyPr>
-          <a:lstStyle/>
-          <a:p>
-            <a:pPr marL="0" indent="0">
-              <a:buNone/>
-            </a:pPr>
-            <a:r>
-              <a:rPr lang="en-US" sz="2600" dirty="0" smtClean="0"/>
-              <a:t>Population is a set of chromosomes.</a:t>
-            </a:r>
-          </a:p>
-          <a:p>
-            <a:pPr marL="0" indent="0">
-              <a:buNone/>
-            </a:pPr>
-            <a:r>
-              <a:rPr lang="en-US" sz="2600" smtClean="0"/>
-              <a:t>Each </a:t>
-            </a:r>
-            <a:r>
-              <a:rPr lang="en-US" sz="2600" dirty="0" smtClean="0"/>
-              <a:t>chromosome </a:t>
-            </a:r>
-            <a:r>
-              <a:rPr lang="en-US" sz="2600" dirty="0" err="1" smtClean="0"/>
-              <a:t>chrom</a:t>
-            </a:r>
-            <a:r>
-              <a:rPr lang="en-US" sz="2600" dirty="0" smtClean="0"/>
-              <a:t> = (x</a:t>
-            </a:r>
-            <a:r>
-              <a:rPr lang="en-US" sz="2600" baseline="-25000" dirty="0" smtClean="0"/>
-              <a:t>1</a:t>
-            </a:r>
-            <a:r>
-              <a:rPr lang="en-US" sz="2600" dirty="0" smtClean="0"/>
-              <a:t>, x</a:t>
-            </a:r>
-            <a:r>
-              <a:rPr lang="en-US" sz="2600" baseline="-25000" dirty="0" smtClean="0"/>
-              <a:t>2</a:t>
-            </a:r>
-            <a:r>
-              <a:rPr lang="en-US" sz="2600" dirty="0" smtClean="0"/>
-              <a:t>… </a:t>
-            </a:r>
-            <a:r>
-              <a:rPr lang="en-US" sz="2600" dirty="0" err="1" smtClean="0"/>
-              <a:t>x</a:t>
-            </a:r>
-            <a:r>
-              <a:rPr lang="en-US" sz="2600" baseline="-25000" dirty="0" err="1" smtClean="0"/>
-              <a:t>n</a:t>
-            </a:r>
-            <a:r>
-              <a:rPr lang="en-US" sz="2600" dirty="0" smtClean="0"/>
-              <a:t>) to present a test case.</a:t>
-            </a:r>
-            <a:endParaRPr lang="en-US" sz="2600" dirty="0"/>
-          </a:p>
-        </p:txBody>
-      </p:sp>
-    </p:spTree>
-    <p:extLst>
-      <p:ext uri="{BB962C8B-B14F-4D97-AF65-F5344CB8AC3E}">
-        <p14:creationId xmlns="" xmlns:p14="http://schemas.microsoft.com/office/powerpoint/2010/main" val="976856806"/>
+        <p14:creationId xmlns:p14="http://schemas.microsoft.com/office/powerpoint/2010/main" val="3736083669"/>
       </p:ext>
     </p:extLst>
   </p:cSld>
